--- a/day1-afternoon-gov/2-王春生-如何持续地开发开源软件.pptx
+++ b/day1-afternoon-gov/2-王春生-如何持续地开发开源软件.pptx
@@ -3,32 +3,31 @@
 <p:presentation xmlns:a="http://schemas.openxmlformats.org/drawingml/2006/main" xmlns:r="http://schemas.openxmlformats.org/officeDocument/2006/relationships" xmlns:p="http://schemas.openxmlformats.org/presentationml/2006/main">
   <p:sldMasterIdLst>
     <p:sldMasterId id="2147483648" r:id="rId1"/>
-    <p:sldMasterId id="2147483650" r:id="rId3"/>
-    <p:sldMasterId id="2147483662" r:id="rId4"/>
+    <p:sldMasterId id="2147483650" r:id="rId2"/>
+    <p:sldMasterId id="2147483662" r:id="rId3"/>
   </p:sldMasterIdLst>
   <p:notesMasterIdLst>
-    <p:notesMasterId r:id="rId20"/>
+    <p:notesMasterId r:id="rId19"/>
   </p:notesMasterIdLst>
   <p:sldIdLst>
-    <p:sldId id="256" r:id="rId5"/>
-    <p:sldId id="257" r:id="rId6"/>
-    <p:sldId id="258" r:id="rId7"/>
-    <p:sldId id="268" r:id="rId8"/>
-    <p:sldId id="269" r:id="rId9"/>
-    <p:sldId id="270" r:id="rId10"/>
-    <p:sldId id="271" r:id="rId11"/>
-    <p:sldId id="272" r:id="rId12"/>
-    <p:sldId id="273" r:id="rId13"/>
-    <p:sldId id="274" r:id="rId14"/>
-    <p:sldId id="275" r:id="rId15"/>
-    <p:sldId id="276" r:id="rId16"/>
-    <p:sldId id="277" r:id="rId17"/>
-    <p:sldId id="278" r:id="rId18"/>
-    <p:sldId id="280" r:id="rId19"/>
-    <p:sldId id="279" r:id="rId21"/>
+    <p:sldId id="256" r:id="rId4"/>
+    <p:sldId id="257" r:id="rId5"/>
+    <p:sldId id="258" r:id="rId6"/>
+    <p:sldId id="268" r:id="rId7"/>
+    <p:sldId id="269" r:id="rId8"/>
+    <p:sldId id="270" r:id="rId9"/>
+    <p:sldId id="271" r:id="rId10"/>
+    <p:sldId id="272" r:id="rId11"/>
+    <p:sldId id="273" r:id="rId12"/>
+    <p:sldId id="274" r:id="rId13"/>
+    <p:sldId id="275" r:id="rId14"/>
+    <p:sldId id="277" r:id="rId15"/>
+    <p:sldId id="278" r:id="rId16"/>
+    <p:sldId id="280" r:id="rId17"/>
+    <p:sldId id="279" r:id="rId18"/>
   </p:sldIdLst>
   <p:sldSz cx="12192000" cy="6858000"/>
-  <p:notesSz cx="7103745" cy="10234295"/>
+  <p:notesSz cx="7104063" cy="10234613"/>
   <p:defaultTextStyle>
     <a:defPPr>
       <a:defRPr lang="zh-CN"/>
@@ -205,6 +204,25 @@
       </a:defRPr>
     </a:lvl9pPr>
   </p:defaultTextStyle>
+  <p:extLst>
+    <p:ext uri="{EFAFB233-063F-42B5-8137-9DF3F51BA10A}">
+      <p15:sldGuideLst xmlns:p15="http://schemas.microsoft.com/office/powerpoint/2012/main">
+        <p15:guide id="1" orient="horz" pos="2193">
+          <p15:clr>
+            <a:srgbClr val="A4A3A4"/>
+          </p15:clr>
+        </p15:guide>
+        <p15:guide id="2" pos="2907">
+          <p15:clr>
+            <a:srgbClr val="A4A3A4"/>
+          </p15:clr>
+        </p15:guide>
+      </p15:sldGuideLst>
+    </p:ext>
+    <p:ext uri="{2D200454-40CA-4A62-9FC3-DE9A4176ACB9}">
+      <p15:notesGuideLst xmlns:p15="http://schemas.microsoft.com/office/powerpoint/2012/main"/>
+    </p:ext>
+  </p:extLst>
 </p:presentation>
 </file>
 
@@ -290,6 +308,7 @@
           <a:p>
             <a:fld id="{F4FB687C-3C2B-4BC0-A204-30428D9AA5D8}" type="datetimeFigureOut">
               <a:rPr lang="en-US" smtClean="0"/>
+              <a:t>10/14/2016</a:t>
             </a:fld>
             <a:endParaRPr lang="en-US"/>
           </a:p>
@@ -356,7 +375,6 @@
               <a:rPr lang="en-US"/>
               <a:t>Edit Master text styles</a:t>
             </a:r>
-            <a:endParaRPr lang="en-US"/>
           </a:p>
           <a:p>
             <a:pPr lvl="1"/>
@@ -364,7 +382,6 @@
               <a:rPr lang="en-US"/>
               <a:t>Second level</a:t>
             </a:r>
-            <a:endParaRPr lang="en-US"/>
           </a:p>
           <a:p>
             <a:pPr lvl="2"/>
@@ -372,7 +389,6 @@
               <a:rPr lang="en-US"/>
               <a:t>Third level</a:t>
             </a:r>
-            <a:endParaRPr lang="en-US"/>
           </a:p>
           <a:p>
             <a:pPr lvl="3"/>
@@ -380,7 +396,6 @@
               <a:rPr lang="en-US"/>
               <a:t>Fourth level</a:t>
             </a:r>
-            <a:endParaRPr lang="en-US"/>
           </a:p>
           <a:p>
             <a:pPr lvl="4"/>
@@ -388,7 +403,6 @@
               <a:rPr lang="en-US"/>
               <a:t>Fifth level</a:t>
             </a:r>
-            <a:endParaRPr lang="en-US"/>
           </a:p>
         </p:txBody>
       </p:sp>
@@ -452,12 +466,18 @@
           <a:p>
             <a:fld id="{DD5D6D9D-F7EC-41AF-8570-0413D9A2B55A}" type="slidenum">
               <a:rPr lang="en-US" smtClean="0"/>
+              <a:t>‹#›</a:t>
             </a:fld>
             <a:endParaRPr lang="en-US"/>
           </a:p>
         </p:txBody>
       </p:sp>
     </p:spTree>
+    <p:extLst>
+      <p:ext uri="{BB962C8B-B14F-4D97-AF65-F5344CB8AC3E}">
+        <p14:creationId xmlns:p14="http://schemas.microsoft.com/office/powerpoint/2010/main" val="2864638447"/>
+      </p:ext>
+    </p:extLst>
   </p:cSld>
   <p:clrMap bg1="lt1" tx1="dk1" bg2="lt2" tx2="dk2" accent1="accent1" accent2="accent2" accent3="accent3" accent4="accent4" accent5="accent5" accent6="accent6" hlink="hlink" folHlink="folHlink"/>
   <p:notesStyle>
@@ -572,11 +592,20 @@
         <p:cNvGrpSpPr/>
         <p:nvPr/>
       </p:nvGrpSpPr>
-      <p:grpSpPr/>
+      <p:grpSpPr>
+        <a:xfrm>
+          <a:off x="0" y="0"/>
+          <a:ext cx="0" cy="0"/>
+          <a:chOff x="0" y="0"/>
+          <a:chExt cx="0" cy="0"/>
+        </a:xfrm>
+      </p:grpSpPr>
       <p:sp>
         <p:nvSpPr>
           <p:cNvPr id="25602" name="幻灯片图像占位符 7169"/>
-          <p:cNvSpPr/>
+          <p:cNvSpPr>
+            <a:spLocks noGrp="1" noRot="1" noChangeAspect="1"/>
+          </p:cNvSpPr>
           <p:nvPr>
             <p:ph type="sldImg"/>
           </p:nvPr>
@@ -586,6 +615,7 @@
         </p:spPr>
         <p:txBody>
           <a:bodyPr/>
+          <a:lstStyle/>
           <a:p>
             <a:endParaRPr lang="zh-CN" altLang="en-US"/>
           </a:p>
@@ -594,7 +624,9 @@
       <p:sp>
         <p:nvSpPr>
           <p:cNvPr id="25603" name="文本占位符 7170"/>
-          <p:cNvSpPr/>
+          <p:cNvSpPr>
+            <a:spLocks noGrp="1"/>
+          </p:cNvSpPr>
           <p:nvPr>
             <p:ph type="body"/>
           </p:nvPr>
@@ -604,13 +636,13 @@
         </p:spPr>
         <p:txBody>
           <a:bodyPr anchor="t"/>
+          <a:lstStyle/>
           <a:p>
             <a:pPr lvl="0"/>
             <a:r>
               <a:rPr lang="zh-CN" altLang="en-US" dirty="0"/>
               <a:t>在设计手册的时候做一个图：</a:t>
             </a:r>
-            <a:endParaRPr lang="zh-CN" altLang="en-US" dirty="0"/>
           </a:p>
           <a:p>
             <a:pPr lvl="0"/>
@@ -618,7 +650,6 @@
               <a:rPr lang="zh-CN" altLang="en-US" dirty="0"/>
               <a:t>zdoo一体化管理平台。</a:t>
             </a:r>
-            <a:endParaRPr lang="zh-CN" altLang="en-US" dirty="0"/>
           </a:p>
           <a:p>
             <a:pPr lvl="0"/>
@@ -626,7 +657,6 @@
               <a:rPr lang="zh-CN" altLang="en-US" dirty="0"/>
               <a:t>云禅道 臻网建站 云然之</a:t>
             </a:r>
-            <a:endParaRPr lang="zh-CN" altLang="en-US" dirty="0"/>
           </a:p>
           <a:p>
             <a:pPr lvl="0"/>
@@ -634,7 +664,6 @@
               <a:rPr lang="zh-CN" altLang="en-US" dirty="0"/>
               <a:t>禅道 蝉知 然之</a:t>
             </a:r>
-            <a:endParaRPr lang="zh-CN" altLang="en-US" dirty="0"/>
           </a:p>
           <a:p>
             <a:pPr lvl="0"/>
@@ -642,7 +671,6 @@
               <a:rPr lang="zh-CN" altLang="en-US" dirty="0"/>
               <a:t>zentaoPHP zui</a:t>
             </a:r>
-            <a:endParaRPr lang="zh-CN" altLang="en-US" dirty="0"/>
           </a:p>
           <a:p>
             <a:pPr lvl="0"/>
@@ -650,11 +678,15 @@
               <a:rPr lang="zh-CN" altLang="en-US" dirty="0"/>
               <a:t>ZPL</a:t>
             </a:r>
-            <a:endParaRPr lang="zh-CN" altLang="en-US" dirty="0"/>
           </a:p>
         </p:txBody>
       </p:sp>
     </p:spTree>
+    <p:extLst>
+      <p:ext uri="{BB962C8B-B14F-4D97-AF65-F5344CB8AC3E}">
+        <p14:creationId xmlns:p14="http://schemas.microsoft.com/office/powerpoint/2010/main" val="3491491649"/>
+      </p:ext>
+    </p:extLst>
   </p:cSld>
   <p:clrMapOvr>
     <a:masterClrMapping/>
@@ -732,7 +764,6 @@
               <a:rPr lang="en-US"/>
               <a:t>Click to edit Master title style</a:t>
             </a:r>
-            <a:endParaRPr lang="en-US"/>
           </a:p>
         </p:txBody>
       </p:sp>
@@ -789,7 +820,6 @@
               <a:rPr lang="en-US"/>
               <a:t>Edit Master text styles</a:t>
             </a:r>
-            <a:endParaRPr lang="en-US"/>
           </a:p>
           <a:p>
             <a:pPr lvl="1"/>
@@ -797,7 +827,6 @@
               <a:rPr lang="en-US"/>
               <a:t>Second level</a:t>
             </a:r>
-            <a:endParaRPr lang="en-US"/>
           </a:p>
           <a:p>
             <a:pPr lvl="2"/>
@@ -805,7 +834,6 @@
               <a:rPr lang="en-US"/>
               <a:t>Third level</a:t>
             </a:r>
-            <a:endParaRPr lang="en-US"/>
           </a:p>
           <a:p>
             <a:pPr lvl="3"/>
@@ -813,7 +841,6 @@
               <a:rPr lang="en-US"/>
               <a:t>Fourth level</a:t>
             </a:r>
-            <a:endParaRPr lang="en-US"/>
           </a:p>
           <a:p>
             <a:pPr lvl="4"/>
@@ -821,7 +848,6 @@
               <a:rPr lang="en-US"/>
               <a:t>Fifth level</a:t>
             </a:r>
-            <a:endParaRPr lang="en-US"/>
           </a:p>
         </p:txBody>
       </p:sp>
@@ -887,7 +913,6 @@
               <a:rPr lang="en-US"/>
               <a:t>Edit Master text styles</a:t>
             </a:r>
-            <a:endParaRPr lang="en-US"/>
           </a:p>
         </p:txBody>
       </p:sp>
@@ -963,7 +988,6 @@
               <a:rPr lang="en-US"/>
               <a:t>Click to edit Master title style</a:t>
             </a:r>
-            <a:endParaRPr lang="en-US"/>
           </a:p>
         </p:txBody>
       </p:sp>
@@ -1090,7 +1114,6 @@
               <a:rPr lang="en-US"/>
               <a:t>Edit Master text styles</a:t>
             </a:r>
-            <a:endParaRPr lang="en-US"/>
           </a:p>
         </p:txBody>
       </p:sp>
@@ -1157,7 +1180,6 @@
               <a:rPr lang="en-US"/>
               <a:t>Click to edit Master title style</a:t>
             </a:r>
-            <a:endParaRPr lang="en-US"/>
           </a:p>
         </p:txBody>
       </p:sp>
@@ -1181,7 +1203,6 @@
               <a:rPr lang="en-US"/>
               <a:t>Edit Master text styles</a:t>
             </a:r>
-            <a:endParaRPr lang="en-US"/>
           </a:p>
           <a:p>
             <a:pPr lvl="1"/>
@@ -1189,7 +1210,6 @@
               <a:rPr lang="en-US"/>
               <a:t>Second level</a:t>
             </a:r>
-            <a:endParaRPr lang="en-US"/>
           </a:p>
           <a:p>
             <a:pPr lvl="2"/>
@@ -1197,7 +1217,6 @@
               <a:rPr lang="en-US"/>
               <a:t>Third level</a:t>
             </a:r>
-            <a:endParaRPr lang="en-US"/>
           </a:p>
           <a:p>
             <a:pPr lvl="3"/>
@@ -1205,7 +1224,6 @@
               <a:rPr lang="en-US"/>
               <a:t>Fourth level</a:t>
             </a:r>
-            <a:endParaRPr lang="en-US"/>
           </a:p>
           <a:p>
             <a:pPr lvl="4"/>
@@ -1213,7 +1231,6 @@
               <a:rPr lang="en-US"/>
               <a:t>Fifth level</a:t>
             </a:r>
-            <a:endParaRPr lang="en-US"/>
           </a:p>
         </p:txBody>
       </p:sp>
@@ -1280,7 +1297,6 @@
               <a:rPr lang="zh-CN" altLang="en-US"/>
               <a:t>单击此处编辑母版标题样式</a:t>
             </a:r>
-            <a:endParaRPr lang="zh-CN" altLang="en-US"/>
           </a:p>
         </p:txBody>
       </p:sp>
@@ -1337,7 +1353,6 @@
               <a:rPr lang="en-US"/>
               <a:t>Click to edit Master title style</a:t>
             </a:r>
-            <a:endParaRPr lang="en-US"/>
           </a:p>
         </p:txBody>
       </p:sp>
@@ -1402,7 +1417,6 @@
               <a:rPr lang="en-US"/>
               <a:t>Click to edit Master subtitle style</a:t>
             </a:r>
-            <a:endParaRPr lang="en-US"/>
           </a:p>
         </p:txBody>
       </p:sp>
@@ -1469,7 +1483,6 @@
               <a:rPr lang="en-US"/>
               <a:t>Click to edit Master title style</a:t>
             </a:r>
-            <a:endParaRPr lang="en-US"/>
           </a:p>
         </p:txBody>
       </p:sp>
@@ -1536,7 +1549,6 @@
               <a:rPr lang="en-US"/>
               <a:t>Click to edit Master title style</a:t>
             </a:r>
-            <a:endParaRPr lang="en-US"/>
           </a:p>
         </p:txBody>
       </p:sp>
@@ -1560,7 +1572,6 @@
               <a:rPr lang="en-US"/>
               <a:t>Edit Master text styles</a:t>
             </a:r>
-            <a:endParaRPr lang="en-US"/>
           </a:p>
           <a:p>
             <a:pPr lvl="1"/>
@@ -1568,7 +1579,6 @@
               <a:rPr lang="en-US"/>
               <a:t>Second level</a:t>
             </a:r>
-            <a:endParaRPr lang="en-US"/>
           </a:p>
           <a:p>
             <a:pPr lvl="2"/>
@@ -1576,7 +1586,6 @@
               <a:rPr lang="en-US"/>
               <a:t>Third level</a:t>
             </a:r>
-            <a:endParaRPr lang="en-US"/>
           </a:p>
           <a:p>
             <a:pPr lvl="3"/>
@@ -1584,7 +1593,6 @@
               <a:rPr lang="en-US"/>
               <a:t>Fourth level</a:t>
             </a:r>
-            <a:endParaRPr lang="en-US"/>
           </a:p>
           <a:p>
             <a:pPr lvl="4"/>
@@ -1592,7 +1600,6 @@
               <a:rPr lang="en-US"/>
               <a:t>Fifth level</a:t>
             </a:r>
-            <a:endParaRPr lang="en-US"/>
           </a:p>
         </p:txBody>
       </p:sp>
@@ -1668,7 +1675,6 @@
               <a:rPr lang="en-US"/>
               <a:t>Click to edit Master title style</a:t>
             </a:r>
-            <a:endParaRPr lang="en-US"/>
           </a:p>
         </p:txBody>
       </p:sp>
@@ -1788,7 +1794,6 @@
               <a:rPr lang="en-US"/>
               <a:t>Edit Master text styles</a:t>
             </a:r>
-            <a:endParaRPr lang="en-US"/>
           </a:p>
         </p:txBody>
       </p:sp>
@@ -1855,7 +1860,6 @@
               <a:rPr lang="en-US"/>
               <a:t>Click to edit Master title style</a:t>
             </a:r>
-            <a:endParaRPr lang="en-US"/>
           </a:p>
         </p:txBody>
       </p:sp>
@@ -1884,7 +1888,6 @@
               <a:rPr lang="en-US"/>
               <a:t>Edit Master text styles</a:t>
             </a:r>
-            <a:endParaRPr lang="en-US"/>
           </a:p>
           <a:p>
             <a:pPr lvl="1"/>
@@ -1892,7 +1895,6 @@
               <a:rPr lang="en-US"/>
               <a:t>Second level</a:t>
             </a:r>
-            <a:endParaRPr lang="en-US"/>
           </a:p>
           <a:p>
             <a:pPr lvl="2"/>
@@ -1900,7 +1902,6 @@
               <a:rPr lang="en-US"/>
               <a:t>Third level</a:t>
             </a:r>
-            <a:endParaRPr lang="en-US"/>
           </a:p>
           <a:p>
             <a:pPr lvl="3"/>
@@ -1908,7 +1909,6 @@
               <a:rPr lang="en-US"/>
               <a:t>Fourth level</a:t>
             </a:r>
-            <a:endParaRPr lang="en-US"/>
           </a:p>
           <a:p>
             <a:pPr lvl="4"/>
@@ -1916,7 +1916,6 @@
               <a:rPr lang="en-US"/>
               <a:t>Fifth level</a:t>
             </a:r>
-            <a:endParaRPr lang="en-US"/>
           </a:p>
         </p:txBody>
       </p:sp>
@@ -1945,7 +1944,6 @@
               <a:rPr lang="en-US"/>
               <a:t>Edit Master text styles</a:t>
             </a:r>
-            <a:endParaRPr lang="en-US"/>
           </a:p>
           <a:p>
             <a:pPr lvl="1"/>
@@ -1953,7 +1951,6 @@
               <a:rPr lang="en-US"/>
               <a:t>Second level</a:t>
             </a:r>
-            <a:endParaRPr lang="en-US"/>
           </a:p>
           <a:p>
             <a:pPr lvl="2"/>
@@ -1961,7 +1958,6 @@
               <a:rPr lang="en-US"/>
               <a:t>Third level</a:t>
             </a:r>
-            <a:endParaRPr lang="en-US"/>
           </a:p>
           <a:p>
             <a:pPr lvl="3"/>
@@ -1969,7 +1965,6 @@
               <a:rPr lang="en-US"/>
               <a:t>Fourth level</a:t>
             </a:r>
-            <a:endParaRPr lang="en-US"/>
           </a:p>
           <a:p>
             <a:pPr lvl="4"/>
@@ -1977,7 +1972,6 @@
               <a:rPr lang="en-US"/>
               <a:t>Fifth level</a:t>
             </a:r>
-            <a:endParaRPr lang="en-US"/>
           </a:p>
         </p:txBody>
       </p:sp>
@@ -2049,7 +2043,6 @@
               <a:rPr lang="en-US"/>
               <a:t>Click to edit Master title style</a:t>
             </a:r>
-            <a:endParaRPr lang="en-US"/>
           </a:p>
         </p:txBody>
       </p:sp>
@@ -2115,7 +2108,6 @@
               <a:rPr lang="en-US"/>
               <a:t>Edit Master text styles</a:t>
             </a:r>
-            <a:endParaRPr lang="en-US"/>
           </a:p>
         </p:txBody>
       </p:sp>
@@ -2144,7 +2136,6 @@
               <a:rPr lang="en-US"/>
               <a:t>Edit Master text styles</a:t>
             </a:r>
-            <a:endParaRPr lang="en-US"/>
           </a:p>
           <a:p>
             <a:pPr lvl="1"/>
@@ -2152,7 +2143,6 @@
               <a:rPr lang="en-US"/>
               <a:t>Second level</a:t>
             </a:r>
-            <a:endParaRPr lang="en-US"/>
           </a:p>
           <a:p>
             <a:pPr lvl="2"/>
@@ -2160,7 +2150,6 @@
               <a:rPr lang="en-US"/>
               <a:t>Third level</a:t>
             </a:r>
-            <a:endParaRPr lang="en-US"/>
           </a:p>
           <a:p>
             <a:pPr lvl="3"/>
@@ -2168,7 +2157,6 @@
               <a:rPr lang="en-US"/>
               <a:t>Fourth level</a:t>
             </a:r>
-            <a:endParaRPr lang="en-US"/>
           </a:p>
           <a:p>
             <a:pPr lvl="4"/>
@@ -2176,7 +2164,6 @@
               <a:rPr lang="en-US"/>
               <a:t>Fifth level</a:t>
             </a:r>
-            <a:endParaRPr lang="en-US"/>
           </a:p>
         </p:txBody>
       </p:sp>
@@ -2242,7 +2229,6 @@
               <a:rPr lang="en-US"/>
               <a:t>Edit Master text styles</a:t>
             </a:r>
-            <a:endParaRPr lang="en-US"/>
           </a:p>
         </p:txBody>
       </p:sp>
@@ -2271,7 +2257,6 @@
               <a:rPr lang="en-US"/>
               <a:t>Edit Master text styles</a:t>
             </a:r>
-            <a:endParaRPr lang="en-US"/>
           </a:p>
           <a:p>
             <a:pPr lvl="1"/>
@@ -2279,7 +2264,6 @@
               <a:rPr lang="en-US"/>
               <a:t>Second level</a:t>
             </a:r>
-            <a:endParaRPr lang="en-US"/>
           </a:p>
           <a:p>
             <a:pPr lvl="2"/>
@@ -2287,7 +2271,6 @@
               <a:rPr lang="en-US"/>
               <a:t>Third level</a:t>
             </a:r>
-            <a:endParaRPr lang="en-US"/>
           </a:p>
           <a:p>
             <a:pPr lvl="3"/>
@@ -2295,7 +2278,6 @@
               <a:rPr lang="en-US"/>
               <a:t>Fourth level</a:t>
             </a:r>
-            <a:endParaRPr lang="en-US"/>
           </a:p>
           <a:p>
             <a:pPr lvl="4"/>
@@ -2303,7 +2285,6 @@
               <a:rPr lang="en-US"/>
               <a:t>Fifth level</a:t>
             </a:r>
-            <a:endParaRPr lang="en-US"/>
           </a:p>
         </p:txBody>
       </p:sp>
@@ -2370,7 +2351,6 @@
               <a:rPr lang="en-US"/>
               <a:t>Click to edit Master title style</a:t>
             </a:r>
-            <a:endParaRPr lang="en-US"/>
           </a:p>
         </p:txBody>
       </p:sp>
@@ -2476,7 +2456,7 @@
           <p:nvPr userDrawn="1"/>
         </p:nvPicPr>
         <p:blipFill>
-          <a:blip r:embed="rId2"/>
+          <a:blip r:embed="rId3"/>
           <a:stretch>
             <a:fillRect/>
           </a:stretch>
@@ -2812,7 +2792,7 @@
           <p:nvPr userDrawn="1"/>
         </p:nvPicPr>
         <p:blipFill rotWithShape="1">
-          <a:blip r:embed="rId12">
+          <a:blip r:embed="rId13">
             <a:extLst>
               <a:ext uri="{28A0092B-C50C-407E-A947-70E740481C1C}">
                 <a14:useLocalDpi xmlns:a14="http://schemas.microsoft.com/office/drawing/2010/main" val="0"/>
@@ -2886,7 +2866,6 @@
               <a:rPr lang="en-US"/>
               <a:t>Click to edit Master title style</a:t>
             </a:r>
-            <a:endParaRPr lang="en-US"/>
           </a:p>
         </p:txBody>
       </p:sp>
@@ -2920,7 +2899,6 @@
               <a:rPr lang="en-US"/>
               <a:t>Edit Master text styles</a:t>
             </a:r>
-            <a:endParaRPr lang="en-US"/>
           </a:p>
           <a:p>
             <a:pPr lvl="1"/>
@@ -2928,7 +2906,6 @@
               <a:rPr lang="en-US"/>
               <a:t>Second level</a:t>
             </a:r>
-            <a:endParaRPr lang="en-US"/>
           </a:p>
           <a:p>
             <a:pPr lvl="2"/>
@@ -2936,7 +2913,6 @@
               <a:rPr lang="en-US"/>
               <a:t>Third level</a:t>
             </a:r>
-            <a:endParaRPr lang="en-US"/>
           </a:p>
           <a:p>
             <a:pPr lvl="3"/>
@@ -2944,7 +2920,6 @@
               <a:rPr lang="en-US"/>
               <a:t>Fourth level</a:t>
             </a:r>
-            <a:endParaRPr lang="en-US"/>
           </a:p>
           <a:p>
             <a:pPr lvl="4"/>
@@ -2952,7 +2927,6 @@
               <a:rPr lang="en-US"/>
               <a:t>Fifth level</a:t>
             </a:r>
-            <a:endParaRPr lang="en-US"/>
           </a:p>
         </p:txBody>
       </p:sp>
@@ -3002,7 +2976,7 @@
           <p:nvPr userDrawn="1"/>
         </p:nvPicPr>
         <p:blipFill>
-          <a:blip r:embed="rId13" cstate="print">
+          <a:blip r:embed="rId14" cstate="print">
             <a:extLst>
               <a:ext uri="{28A0092B-C50C-407E-A947-70E740481C1C}">
                 <a14:useLocalDpi xmlns:a14="http://schemas.microsoft.com/office/drawing/2010/main" val="0"/>
@@ -3032,7 +3006,7 @@
           <p:nvPr userDrawn="1"/>
         </p:nvPicPr>
         <p:blipFill>
-          <a:blip r:embed="rId14" cstate="print">
+          <a:blip r:embed="rId15" cstate="print">
             <a:extLst>
               <a:ext uri="{28A0092B-C50C-407E-A947-70E740481C1C}">
                 <a14:useLocalDpi xmlns:a14="http://schemas.microsoft.com/office/drawing/2010/main" val="0"/>
@@ -3406,7 +3380,6 @@
               <a:rPr lang="zh-CN" altLang="en-US"/>
               <a:t>单击此处编辑母版标题样式</a:t>
             </a:r>
-            <a:endParaRPr lang="zh-CN" altLang="en-US"/>
           </a:p>
         </p:txBody>
       </p:sp>
@@ -3451,7 +3424,7 @@
           <p:nvPr userDrawn="1"/>
         </p:nvPicPr>
         <p:blipFill rotWithShape="1">
-          <a:blip r:embed="rId2">
+          <a:blip r:embed="rId3">
             <a:extLst>
               <a:ext uri="{28A0092B-C50C-407E-A947-70E740481C1C}">
                 <a14:useLocalDpi xmlns:a14="http://schemas.microsoft.com/office/drawing/2010/main" val="0"/>
@@ -3505,7 +3478,7 @@
           <p:nvPr userDrawn="1"/>
         </p:nvPicPr>
         <p:blipFill>
-          <a:blip r:embed="rId3" cstate="print">
+          <a:blip r:embed="rId4" cstate="print">
             <a:extLst>
               <a:ext uri="{28A0092B-C50C-407E-A947-70E740481C1C}">
                 <a14:useLocalDpi xmlns:a14="http://schemas.microsoft.com/office/drawing/2010/main" val="0"/>
@@ -3535,7 +3508,7 @@
           <p:nvPr userDrawn="1"/>
         </p:nvPicPr>
         <p:blipFill>
-          <a:blip r:embed="rId4" cstate="print">
+          <a:blip r:embed="rId5" cstate="print">
             <a:extLst>
               <a:ext uri="{28A0092B-C50C-407E-A947-70E740481C1C}">
                 <a14:useLocalDpi xmlns:a14="http://schemas.microsoft.com/office/drawing/2010/main" val="0"/>
@@ -3936,6 +3909,7 @@
         </p:spPr>
         <p:txBody>
           <a:bodyPr anchor="t"/>
+          <a:lstStyle/>
           <a:p>
             <a:pPr marL="285750" indent="-285750" defTabSz="914400">
               <a:lnSpc>
@@ -4010,14 +3984,6 @@
               </a:rPr>
               <a:t>。</a:t>
             </a:r>
-            <a:endParaRPr lang="zh-CN" altLang="zh-CN" sz="2400" kern="1200" baseline="0">
-              <a:solidFill>
-                <a:srgbClr val="262626"/>
-              </a:solidFill>
-              <a:latin typeface="Microsoft YaHei" charset="0"/>
-              <a:ea typeface="Microsoft YaHei" charset="0"/>
-              <a:cs typeface="+mn-cs"/>
-            </a:endParaRPr>
           </a:p>
           <a:p>
             <a:pPr marL="285750" indent="-285750" defTabSz="914400">
@@ -4051,14 +4017,6 @@
               </a:rPr>
               <a:t>MySQL.</a:t>
             </a:r>
-            <a:endParaRPr lang="en-US" altLang="zh-CN" sz="2400" kern="1200" baseline="0">
-              <a:solidFill>
-                <a:srgbClr val="262626"/>
-              </a:solidFill>
-              <a:latin typeface="Microsoft YaHei" charset="0"/>
-              <a:ea typeface="Microsoft YaHei" charset="0"/>
-              <a:cs typeface="+mn-cs"/>
-            </a:endParaRPr>
           </a:p>
           <a:p>
             <a:pPr marL="285750" indent="-285750" defTabSz="914400">
@@ -4081,14 +4039,6 @@
               </a:rPr>
               <a:t>商业版本：商业版本提供增值功能。</a:t>
             </a:r>
-            <a:endParaRPr lang="zh-CN" altLang="en-US" sz="2400" kern="1200" baseline="0">
-              <a:solidFill>
-                <a:srgbClr val="262626"/>
-              </a:solidFill>
-              <a:latin typeface="Microsoft YaHei" charset="0"/>
-              <a:ea typeface="Microsoft YaHei" charset="0"/>
-              <a:cs typeface="+mn-cs"/>
-            </a:endParaRPr>
           </a:p>
           <a:p>
             <a:pPr marL="285750" indent="-285750" defTabSz="914400">
@@ -4133,14 +4083,6 @@
               </a:rPr>
               <a:t>通过其他业务线变现。</a:t>
             </a:r>
-            <a:endParaRPr lang="zh-CN" altLang="en-US" sz="2400" kern="1200" baseline="0">
-              <a:solidFill>
-                <a:srgbClr val="262626"/>
-              </a:solidFill>
-              <a:latin typeface="Microsoft YaHei" charset="0"/>
-              <a:ea typeface="Microsoft YaHei" charset="0"/>
-              <a:cs typeface="+mn-cs"/>
-            </a:endParaRPr>
           </a:p>
         </p:txBody>
       </p:sp>
@@ -4219,6 +4161,7 @@
         </p:spPr>
         <p:txBody>
           <a:bodyPr anchor="t"/>
+          <a:lstStyle/>
           <a:p>
             <a:pPr marL="285750" indent="-285750" defTabSz="914400">
               <a:lnSpc>
@@ -4262,14 +4205,6 @@
               </a:rPr>
               <a:t>框架。</a:t>
             </a:r>
-            <a:endParaRPr lang="zh-CN" altLang="zh-CN" sz="2400" kern="1200" baseline="0">
-              <a:solidFill>
-                <a:srgbClr val="262626"/>
-              </a:solidFill>
-              <a:latin typeface="Microsoft YaHei" charset="0"/>
-              <a:ea typeface="Microsoft YaHei" charset="0"/>
-              <a:cs typeface="+mn-cs"/>
-            </a:endParaRPr>
           </a:p>
           <a:p>
             <a:pPr marL="285750" indent="-285750" defTabSz="914400">
@@ -4336,14 +4271,6 @@
               </a:rPr>
               <a:t>框架。</a:t>
             </a:r>
-            <a:endParaRPr lang="zh-CN" altLang="zh-CN" sz="2400" kern="1200" baseline="0">
-              <a:solidFill>
-                <a:srgbClr val="262626"/>
-              </a:solidFill>
-              <a:latin typeface="Microsoft YaHei" charset="0"/>
-              <a:ea typeface="Microsoft YaHei" charset="0"/>
-              <a:cs typeface="+mn-cs"/>
-            </a:endParaRPr>
           </a:p>
           <a:p>
             <a:pPr marL="285750" indent="-285750" defTabSz="914400">
@@ -4366,14 +4293,6 @@
               </a:rPr>
               <a:t>核心的东西一定要掌握自己手里面。</a:t>
             </a:r>
-            <a:endParaRPr lang="zh-CN" altLang="zh-CN" sz="2400" kern="1200" baseline="0">
-              <a:solidFill>
-                <a:srgbClr val="262626"/>
-              </a:solidFill>
-              <a:latin typeface="Microsoft YaHei" charset="0"/>
-              <a:ea typeface="Microsoft YaHei" charset="0"/>
-              <a:cs typeface="+mn-cs"/>
-            </a:endParaRPr>
           </a:p>
           <a:p>
             <a:pPr marL="285750" indent="-285750" defTabSz="914400">
@@ -4396,14 +4315,6 @@
               </a:rPr>
               <a:t>第三方的方案未必是最适合的。</a:t>
             </a:r>
-            <a:endParaRPr lang="zh-CN" altLang="zh-CN" sz="2400" kern="1200" baseline="0">
-              <a:solidFill>
-                <a:srgbClr val="262626"/>
-              </a:solidFill>
-              <a:latin typeface="Microsoft YaHei" charset="0"/>
-              <a:ea typeface="Microsoft YaHei" charset="0"/>
-              <a:cs typeface="+mn-cs"/>
-            </a:endParaRPr>
           </a:p>
         </p:txBody>
       </p:sp>
@@ -4453,7 +4364,7 @@
                 <a:ea typeface="Microsoft YaHei" charset="0"/>
                 <a:sym typeface="+mn-ea"/>
               </a:rPr>
-              <a:t>开源开放是未来的趋势</a:t>
+              <a:t>保护好自己的项目</a:t>
             </a:r>
             <a:endParaRPr lang="zh-CN">
               <a:latin typeface="微软雅黑" charset="0"/>
@@ -4464,7 +4375,7 @@
       </p:sp>
       <p:sp>
         <p:nvSpPr>
-          <p:cNvPr id="3" name="文本占位符 2"/>
+          <p:cNvPr id="22530" name="文本占位符 2"/>
           <p:cNvSpPr>
             <a:spLocks noGrp="1"/>
           </p:cNvSpPr>
@@ -4480,6 +4391,7 @@
         </p:spPr>
         <p:txBody>
           <a:bodyPr anchor="t"/>
+          <a:lstStyle/>
           <a:p>
             <a:pPr marL="285750" indent="-285750" defTabSz="914400">
               <a:lnSpc>
@@ -4499,16 +4411,8 @@
                 <a:ea typeface="Microsoft YaHei" charset="0"/>
                 <a:cs typeface="+mn-cs"/>
               </a:rPr>
-              <a:t>互联网的本质是什么？是开放。</a:t>
-            </a:r>
-            <a:endParaRPr lang="zh-CN" altLang="zh-CN" sz="2400" kern="1200" baseline="0">
-              <a:solidFill>
-                <a:srgbClr val="262626"/>
-              </a:solidFill>
-              <a:latin typeface="Microsoft YaHei" charset="0"/>
-              <a:ea typeface="Microsoft YaHei" charset="0"/>
-              <a:cs typeface="+mn-cs"/>
-            </a:endParaRPr>
+              <a:t>做开源软件绕不开的两个问题：分裂和侵权。</a:t>
+            </a:r>
           </a:p>
           <a:p>
             <a:pPr marL="285750" indent="-285750" defTabSz="914400">
@@ -4529,16 +4433,8 @@
                 <a:ea typeface="Microsoft YaHei" charset="0"/>
                 <a:cs typeface="+mn-cs"/>
               </a:rPr>
-              <a:t>开源软件随着互联网一起发展。</a:t>
-            </a:r>
-            <a:endParaRPr lang="zh-CN" altLang="zh-CN" sz="2400" kern="1200" baseline="0">
-              <a:solidFill>
-                <a:srgbClr val="262626"/>
-              </a:solidFill>
-              <a:latin typeface="Microsoft YaHei" charset="0"/>
-              <a:ea typeface="Microsoft YaHei" charset="0"/>
-              <a:cs typeface="+mn-cs"/>
-            </a:endParaRPr>
+              <a:t>申请软件的著作权。</a:t>
+            </a:r>
           </a:p>
           <a:p>
             <a:pPr marL="285750" indent="-285750" defTabSz="914400">
@@ -4559,16 +4455,8 @@
                 <a:ea typeface="Microsoft YaHei" charset="0"/>
                 <a:cs typeface="+mn-cs"/>
               </a:rPr>
-              <a:t>开源开放才是未来的趋势。</a:t>
-            </a:r>
-            <a:endParaRPr lang="zh-CN" altLang="zh-CN" sz="2400" kern="1200" baseline="0">
-              <a:solidFill>
-                <a:srgbClr val="262626"/>
-              </a:solidFill>
-              <a:latin typeface="Microsoft YaHei" charset="0"/>
-              <a:ea typeface="Microsoft YaHei" charset="0"/>
-              <a:cs typeface="+mn-cs"/>
-            </a:endParaRPr>
+              <a:t>申请软件的商标。</a:t>
+            </a:r>
           </a:p>
           <a:p>
             <a:pPr marL="285750" indent="-285750" defTabSz="914400">
@@ -4585,11 +4473,36 @@
                 <a:solidFill>
                   <a:srgbClr val="262626"/>
                 </a:solidFill>
-                <a:latin typeface="Microsoft YaHei" charset="0"/>
+                <a:latin typeface="+mn-lt"/>
                 <a:ea typeface="Microsoft YaHei" charset="0"/>
                 <a:cs typeface="+mn-cs"/>
-              </a:rPr>
-              <a:t>封闭保守的系统最终都会走向衰败。</a:t>
+                <a:sym typeface="Arial" charset="0"/>
+              </a:rPr>
+              <a:t>拟定自己的</a:t>
+            </a:r>
+            <a:r>
+              <a:rPr lang="en-US" altLang="zh-CN" sz="2400" kern="1200" baseline="0">
+                <a:solidFill>
+                  <a:srgbClr val="262626"/>
+                </a:solidFill>
+                <a:latin typeface="Microsoft YaHei" charset="0"/>
+                <a:ea typeface="+mn-ea"/>
+                <a:cs typeface="+mn-cs"/>
+                <a:sym typeface="Arial" charset="0"/>
+              </a:rPr>
+              <a:t>ZPL</a:t>
+            </a:r>
+            <a:r>
+              <a:rPr lang="zh-CN" altLang="zh-CN" sz="2400" kern="1200" baseline="0">
+                <a:solidFill>
+                  <a:srgbClr val="262626"/>
+                </a:solidFill>
+                <a:latin typeface="+mn-lt"/>
+                <a:ea typeface="Microsoft YaHei" charset="0"/>
+                <a:cs typeface="+mn-cs"/>
+                <a:sym typeface="Arial" charset="0"/>
+              </a:rPr>
+              <a:t>协议。</a:t>
             </a:r>
             <a:endParaRPr lang="zh-CN" altLang="zh-CN" sz="2400" kern="1200" baseline="0">
               <a:solidFill>
@@ -4598,6 +4511,7 @@
               <a:latin typeface="Microsoft YaHei" charset="0"/>
               <a:ea typeface="Microsoft YaHei" charset="0"/>
               <a:cs typeface="+mn-cs"/>
+              <a:sym typeface="Arial" charset="0"/>
             </a:endParaRPr>
           </a:p>
           <a:p>
@@ -4618,8 +4532,9 @@
                 <a:latin typeface="Microsoft YaHei" charset="0"/>
                 <a:ea typeface="Microsoft YaHei" charset="0"/>
                 <a:cs typeface="+mn-cs"/>
-              </a:rPr>
-              <a:t>越来越多的公司用开源软件建立了自己的商业帝国。</a:t>
+                <a:sym typeface="Arial" charset="0"/>
+              </a:rPr>
+              <a:t>做好数字作品的登记。</a:t>
             </a:r>
             <a:endParaRPr lang="zh-CN" altLang="zh-CN" sz="2400" kern="1200" baseline="0">
               <a:solidFill>
@@ -4649,63 +4564,11 @@
                 <a:ea typeface="Microsoft YaHei" charset="0"/>
                 <a:cs typeface="+mn-cs"/>
               </a:rPr>
-              <a:t>微软爱</a:t>
-            </a:r>
-            <a:r>
-              <a:rPr lang="en-US" altLang="zh-CN" sz="2400" kern="1200" baseline="0">
-                <a:solidFill>
-                  <a:srgbClr val="262626"/>
-                </a:solidFill>
-                <a:latin typeface="Microsoft YaHei" charset="0"/>
-                <a:ea typeface="Microsoft YaHei" charset="0"/>
-                <a:cs typeface="+mn-cs"/>
-              </a:rPr>
-              <a:t>Linux</a:t>
-            </a:r>
-            <a:r>
-              <a:rPr lang="zh-CN" altLang="zh-CN" sz="2400" kern="1200" baseline="0">
-                <a:solidFill>
-                  <a:srgbClr val="262626"/>
-                </a:solidFill>
-                <a:latin typeface="Microsoft YaHei" charset="0"/>
-                <a:ea typeface="Microsoft YaHei" charset="0"/>
-                <a:cs typeface="+mn-cs"/>
-              </a:rPr>
-              <a:t>和苹果被起诉对</a:t>
-            </a:r>
-            <a:r>
-              <a:rPr lang="en-US" altLang="zh-CN" sz="2400" kern="1200" baseline="0">
-                <a:solidFill>
-                  <a:srgbClr val="262626"/>
-                </a:solidFill>
-                <a:latin typeface="Microsoft YaHei" charset="0"/>
-                <a:ea typeface="Microsoft YaHei" charset="0"/>
-                <a:cs typeface="+mn-cs"/>
-              </a:rPr>
-              <a:t>Html5</a:t>
-            </a:r>
-            <a:r>
-              <a:rPr lang="zh-CN" altLang="zh-CN" sz="2400" kern="1200" baseline="0">
-                <a:solidFill>
-                  <a:srgbClr val="262626"/>
-                </a:solidFill>
-                <a:latin typeface="Microsoft YaHei" charset="0"/>
-                <a:ea typeface="Microsoft YaHei" charset="0"/>
-                <a:cs typeface="+mn-cs"/>
-              </a:rPr>
-              <a:t>支持不力。</a:t>
-            </a:r>
-            <a:endParaRPr lang="zh-CN" altLang="zh-CN" sz="2400" kern="1200" baseline="0">
-              <a:solidFill>
-                <a:srgbClr val="262626"/>
-              </a:solidFill>
-              <a:latin typeface="Microsoft YaHei" charset="0"/>
-              <a:ea typeface="Microsoft YaHei" charset="0"/>
-              <a:cs typeface="+mn-cs"/>
-            </a:endParaRPr>
-          </a:p>
-          <a:p>
-            <a:pPr marL="285750" indent="-285750" defTabSz="914400">
+              <a:t>做好开放平台。</a:t>
+            </a:r>
+          </a:p>
+          <a:p>
+            <a:pPr marL="742950" lvl="1" indent="-285750" defTabSz="914400">
               <a:lnSpc>
                 <a:spcPct val="150000"/>
               </a:lnSpc>
@@ -4713,99 +4576,7 @@
                 <a:spcPct val="0"/>
               </a:spcBef>
               <a:buFont typeface="Arial" charset="0"/>
-            </a:pPr>
-            <a:r>
-              <a:rPr lang="zh-CN" altLang="zh-CN" sz="2400" kern="1200" baseline="0">
-                <a:solidFill>
-                  <a:srgbClr val="262626"/>
-                </a:solidFill>
-                <a:latin typeface="Microsoft YaHei" charset="0"/>
-                <a:ea typeface="Microsoft YaHei" charset="0"/>
-                <a:cs typeface="+mn-cs"/>
-              </a:rPr>
-              <a:t>微信</a:t>
-            </a:r>
-            <a:r>
-              <a:rPr lang="en-US" altLang="zh-CN" sz="2400" kern="1200" baseline="0">
-                <a:solidFill>
-                  <a:srgbClr val="262626"/>
-                </a:solidFill>
-                <a:latin typeface="Microsoft YaHei" charset="0"/>
-                <a:ea typeface="Microsoft YaHei" charset="0"/>
-                <a:cs typeface="+mn-cs"/>
-              </a:rPr>
-              <a:t>OS</a:t>
-            </a:r>
-            <a:r>
-              <a:rPr lang="zh-CN" altLang="en-US" sz="2400" kern="1200" baseline="0">
-                <a:solidFill>
-                  <a:srgbClr val="262626"/>
-                </a:solidFill>
-                <a:latin typeface="Microsoft YaHei" charset="0"/>
-                <a:ea typeface="Microsoft YaHei" charset="0"/>
-                <a:cs typeface="+mn-cs"/>
-              </a:rPr>
-              <a:t>的日趋封闭和</a:t>
-            </a:r>
-            <a:r>
-              <a:rPr lang="en-US" altLang="zh-CN" sz="2400" kern="1200" baseline="0">
-                <a:solidFill>
-                  <a:srgbClr val="262626"/>
-                </a:solidFill>
-                <a:latin typeface="Microsoft YaHei" charset="0"/>
-                <a:ea typeface="Microsoft YaHei" charset="0"/>
-                <a:cs typeface="+mn-cs"/>
-              </a:rPr>
-              <a:t>Google, Facebook</a:t>
-            </a:r>
-            <a:r>
-              <a:rPr lang="zh-CN" altLang="zh-CN" sz="2400" kern="1200" baseline="0">
-                <a:solidFill>
-                  <a:srgbClr val="262626"/>
-                </a:solidFill>
-                <a:latin typeface="Microsoft YaHei" charset="0"/>
-                <a:ea typeface="Microsoft YaHei" charset="0"/>
-                <a:cs typeface="+mn-cs"/>
-              </a:rPr>
-              <a:t>的开源。</a:t>
-            </a:r>
-            <a:endParaRPr lang="zh-CN" altLang="zh-CN" sz="2400" kern="1200" baseline="0">
-              <a:solidFill>
-                <a:srgbClr val="262626"/>
-              </a:solidFill>
-              <a:latin typeface="Microsoft YaHei" charset="0"/>
-              <a:ea typeface="Microsoft YaHei" charset="0"/>
-              <a:cs typeface="+mn-cs"/>
-            </a:endParaRPr>
-          </a:p>
-          <a:p>
-            <a:pPr marL="285750" indent="-285750" defTabSz="914400">
-              <a:lnSpc>
-                <a:spcPct val="150000"/>
-              </a:lnSpc>
-              <a:spcBef>
-                <a:spcPct val="0"/>
-              </a:spcBef>
-              <a:buFont typeface="Arial" charset="0"/>
-            </a:pPr>
-            <a:endParaRPr lang="zh-CN" altLang="zh-CN" sz="2400" kern="1200" baseline="0">
-              <a:solidFill>
-                <a:srgbClr val="262626"/>
-              </a:solidFill>
-              <a:latin typeface="Microsoft YaHei" charset="0"/>
-              <a:ea typeface="Microsoft YaHei" charset="0"/>
-              <a:cs typeface="+mn-cs"/>
-            </a:endParaRPr>
-          </a:p>
-          <a:p>
-            <a:pPr marL="285750" indent="-285750" defTabSz="914400">
-              <a:lnSpc>
-                <a:spcPct val="150000"/>
-              </a:lnSpc>
-              <a:spcBef>
-                <a:spcPct val="0"/>
-              </a:spcBef>
-              <a:buFont typeface="Arial" charset="0"/>
+              <a:buChar char="•"/>
             </a:pPr>
             <a:endParaRPr lang="zh-CN" altLang="zh-CN" sz="2400" kern="1200" baseline="0">
               <a:solidFill>
@@ -4855,7 +4626,9 @@
         </p:nvSpPr>
         <p:spPr/>
         <p:txBody>
-          <a:bodyPr/>
+          <a:bodyPr>
+            <a:normAutofit/>
+          </a:bodyPr>
           <a:lstStyle/>
           <a:p>
             <a:r>
@@ -4864,7 +4637,7 @@
                 <a:ea typeface="Microsoft YaHei" charset="0"/>
                 <a:sym typeface="+mn-ea"/>
               </a:rPr>
-              <a:t>保护好自己的项目</a:t>
+              <a:t>不迷信，不盲从，做自己</a:t>
             </a:r>
             <a:endParaRPr lang="zh-CN">
               <a:latin typeface="微软雅黑" charset="0"/>
@@ -4875,7 +4648,7 @@
       </p:sp>
       <p:sp>
         <p:nvSpPr>
-          <p:cNvPr id="22530" name="文本占位符 2"/>
+          <p:cNvPr id="23554" name="文本占位符 2"/>
           <p:cNvSpPr>
             <a:spLocks noGrp="1"/>
           </p:cNvSpPr>
@@ -4891,6 +4664,7 @@
         </p:spPr>
         <p:txBody>
           <a:bodyPr anchor="t"/>
+          <a:lstStyle/>
           <a:p>
             <a:pPr marL="285750" indent="-285750" defTabSz="914400">
               <a:lnSpc>
@@ -4910,16 +4684,8 @@
                 <a:ea typeface="Microsoft YaHei" charset="0"/>
                 <a:cs typeface="+mn-cs"/>
               </a:rPr>
-              <a:t>做开源软件绕不开的两个问题：分裂和侵权。</a:t>
-            </a:r>
-            <a:endParaRPr lang="zh-CN" altLang="zh-CN" sz="2400" kern="1200" baseline="0">
-              <a:solidFill>
-                <a:srgbClr val="262626"/>
-              </a:solidFill>
-              <a:latin typeface="Microsoft YaHei" charset="0"/>
-              <a:ea typeface="Microsoft YaHei" charset="0"/>
-              <a:cs typeface="+mn-cs"/>
-            </a:endParaRPr>
+              <a:t>开源软件起源于西方。</a:t>
+            </a:r>
           </a:p>
           <a:p>
             <a:pPr marL="285750" indent="-285750" defTabSz="914400">
@@ -4940,16 +4706,8 @@
                 <a:ea typeface="Microsoft YaHei" charset="0"/>
                 <a:cs typeface="+mn-cs"/>
               </a:rPr>
-              <a:t>申请软件的著作权。</a:t>
-            </a:r>
-            <a:endParaRPr lang="zh-CN" altLang="zh-CN" sz="2400" kern="1200" baseline="0">
-              <a:solidFill>
-                <a:srgbClr val="262626"/>
-              </a:solidFill>
-              <a:latin typeface="Microsoft YaHei" charset="0"/>
-              <a:ea typeface="Microsoft YaHei" charset="0"/>
-              <a:cs typeface="+mn-cs"/>
-            </a:endParaRPr>
+              <a:t>我们要尊重开源软件的规则，但也不要盲从。</a:t>
+            </a:r>
           </a:p>
           <a:p>
             <a:pPr marL="285750" indent="-285750" defTabSz="914400">
@@ -4970,16 +4728,8 @@
                 <a:ea typeface="Microsoft YaHei" charset="0"/>
                 <a:cs typeface="+mn-cs"/>
               </a:rPr>
-              <a:t>申请软件的商标。</a:t>
-            </a:r>
-            <a:endParaRPr lang="zh-CN" altLang="zh-CN" sz="2400" kern="1200" baseline="0">
-              <a:solidFill>
-                <a:srgbClr val="262626"/>
-              </a:solidFill>
-              <a:latin typeface="Microsoft YaHei" charset="0"/>
-              <a:ea typeface="Microsoft YaHei" charset="0"/>
-              <a:cs typeface="+mn-cs"/>
-            </a:endParaRPr>
+              <a:t>坚持做自己认为正确的事情更重要。</a:t>
+            </a:r>
           </a:p>
           <a:p>
             <a:pPr marL="285750" indent="-285750" defTabSz="914400">
@@ -4996,100 +4746,13 @@
                 <a:solidFill>
                   <a:srgbClr val="262626"/>
                 </a:solidFill>
-                <a:latin typeface="+mn-lt"/>
+                <a:latin typeface="Microsoft YaHei" charset="0"/>
                 <a:ea typeface="Microsoft YaHei" charset="0"/>
                 <a:cs typeface="+mn-cs"/>
-                <a:sym typeface="Arial" charset="0"/>
-              </a:rPr>
-              <a:t>拟定自己的</a:t>
-            </a:r>
-            <a:r>
-              <a:rPr lang="en-US" altLang="zh-CN" sz="2400" kern="1200" baseline="0">
-                <a:solidFill>
-                  <a:srgbClr val="262626"/>
-                </a:solidFill>
-                <a:latin typeface="Microsoft YaHei" charset="0"/>
-                <a:ea typeface="+mn-ea"/>
-                <a:cs typeface="+mn-cs"/>
-                <a:sym typeface="Arial" charset="0"/>
-              </a:rPr>
-              <a:t>ZPL</a:t>
-            </a:r>
-            <a:r>
-              <a:rPr lang="zh-CN" altLang="zh-CN" sz="2400" kern="1200" baseline="0">
-                <a:solidFill>
-                  <a:srgbClr val="262626"/>
-                </a:solidFill>
-                <a:latin typeface="+mn-lt"/>
-                <a:ea typeface="Microsoft YaHei" charset="0"/>
-                <a:cs typeface="+mn-cs"/>
-                <a:sym typeface="Arial" charset="0"/>
-              </a:rPr>
-              <a:t>协议。</a:t>
-            </a:r>
-            <a:endParaRPr lang="zh-CN" altLang="zh-CN" sz="2400" kern="1200" baseline="0">
-              <a:solidFill>
-                <a:srgbClr val="262626"/>
-              </a:solidFill>
-              <a:latin typeface="Microsoft YaHei" charset="0"/>
-              <a:ea typeface="Microsoft YaHei" charset="0"/>
-              <a:cs typeface="+mn-cs"/>
-              <a:sym typeface="Arial" charset="0"/>
-            </a:endParaRPr>
-          </a:p>
-          <a:p>
-            <a:pPr marL="285750" indent="-285750" defTabSz="914400">
-              <a:lnSpc>
-                <a:spcPct val="150000"/>
-              </a:lnSpc>
-              <a:spcBef>
-                <a:spcPct val="0"/>
-              </a:spcBef>
-              <a:buFont typeface="Arial" charset="0"/>
-            </a:pPr>
-            <a:r>
-              <a:rPr lang="zh-CN" altLang="zh-CN" sz="2400" kern="1200" baseline="0">
-                <a:solidFill>
-                  <a:srgbClr val="262626"/>
-                </a:solidFill>
-                <a:latin typeface="Microsoft YaHei" charset="0"/>
-                <a:ea typeface="Microsoft YaHei" charset="0"/>
-                <a:cs typeface="+mn-cs"/>
-                <a:sym typeface="Arial" charset="0"/>
-              </a:rPr>
-              <a:t>做好数字作品的登记。</a:t>
-            </a:r>
-            <a:endParaRPr lang="zh-CN" altLang="zh-CN" sz="2400" kern="1200" baseline="0">
-              <a:solidFill>
-                <a:srgbClr val="262626"/>
-              </a:solidFill>
-              <a:latin typeface="Microsoft YaHei" charset="0"/>
-              <a:ea typeface="Microsoft YaHei" charset="0"/>
-              <a:cs typeface="+mn-cs"/>
-            </a:endParaRPr>
-          </a:p>
-          <a:p>
-            <a:pPr marL="285750" indent="-285750" defTabSz="914400">
-              <a:lnSpc>
-                <a:spcPct val="150000"/>
-              </a:lnSpc>
-              <a:spcBef>
-                <a:spcPct val="0"/>
-              </a:spcBef>
-              <a:buFont typeface="Arial" charset="0"/>
-            </a:pPr>
-            <a:r>
-              <a:rPr lang="zh-CN" altLang="zh-CN" sz="2400" kern="1200" baseline="0">
-                <a:solidFill>
-                  <a:srgbClr val="262626"/>
-                </a:solidFill>
-                <a:latin typeface="Microsoft YaHei" charset="0"/>
-                <a:ea typeface="Microsoft YaHei" charset="0"/>
-                <a:cs typeface="+mn-cs"/>
-              </a:rPr>
-              <a:t>做好开放平台。</a:t>
-            </a:r>
-            <a:endParaRPr lang="zh-CN" altLang="zh-CN" sz="2400" kern="1200" baseline="0">
+              </a:rPr>
+              <a:t>没有必要停留在一些无谓的概念争论上面。</a:t>
+            </a:r>
+            <a:endParaRPr lang="zh-CN" altLang="en-US" sz="2400" kern="1200" baseline="0">
               <a:solidFill>
                 <a:srgbClr val="262626"/>
               </a:solidFill>
@@ -5145,216 +4808,6 @@
           <a:chExt cx="0" cy="0"/>
         </a:xfrm>
       </p:grpSpPr>
-      <p:sp>
-        <p:nvSpPr>
-          <p:cNvPr id="2" name="Title 1"/>
-          <p:cNvSpPr>
-            <a:spLocks noGrp="1"/>
-          </p:cNvSpPr>
-          <p:nvPr>
-            <p:ph type="title"/>
-          </p:nvPr>
-        </p:nvSpPr>
-        <p:spPr/>
-        <p:txBody>
-          <a:bodyPr>
-            <a:normAutofit/>
-          </a:bodyPr>
-          <a:lstStyle/>
-          <a:p>
-            <a:r>
-              <a:rPr lang="zh-CN" altLang="en-US">
-                <a:latin typeface="Microsoft YaHei" charset="0"/>
-                <a:ea typeface="Microsoft YaHei" charset="0"/>
-                <a:sym typeface="+mn-ea"/>
-              </a:rPr>
-              <a:t>不迷信，不盲从，做自己</a:t>
-            </a:r>
-            <a:endParaRPr lang="zh-CN">
-              <a:latin typeface="微软雅黑" charset="0"/>
-              <a:ea typeface="微软雅黑" charset="0"/>
-            </a:endParaRPr>
-          </a:p>
-        </p:txBody>
-      </p:sp>
-      <p:sp>
-        <p:nvSpPr>
-          <p:cNvPr id="23554" name="文本占位符 2"/>
-          <p:cNvSpPr>
-            <a:spLocks noGrp="1"/>
-          </p:cNvSpPr>
-          <p:nvPr>
-            <p:ph type="body" idx="1"/>
-          </p:nvPr>
-        </p:nvSpPr>
-        <p:spPr>
-          <a:xfrm>
-            <a:off x="628650" y="1533525"/>
-            <a:ext cx="7886700" cy="4556125"/>
-          </a:xfrm>
-        </p:spPr>
-        <p:txBody>
-          <a:bodyPr anchor="t"/>
-          <a:p>
-            <a:pPr marL="285750" indent="-285750" defTabSz="914400">
-              <a:lnSpc>
-                <a:spcPct val="150000"/>
-              </a:lnSpc>
-              <a:spcBef>
-                <a:spcPct val="0"/>
-              </a:spcBef>
-              <a:buFont typeface="Arial" charset="0"/>
-            </a:pPr>
-            <a:r>
-              <a:rPr lang="zh-CN" altLang="zh-CN" sz="2400" kern="1200" baseline="0">
-                <a:solidFill>
-                  <a:srgbClr val="262626"/>
-                </a:solidFill>
-                <a:latin typeface="Microsoft YaHei" charset="0"/>
-                <a:ea typeface="Microsoft YaHei" charset="0"/>
-                <a:cs typeface="+mn-cs"/>
-              </a:rPr>
-              <a:t>开源软件起源于西方。</a:t>
-            </a:r>
-            <a:endParaRPr lang="zh-CN" altLang="zh-CN" sz="2400" kern="1200" baseline="0">
-              <a:solidFill>
-                <a:srgbClr val="262626"/>
-              </a:solidFill>
-              <a:latin typeface="Microsoft YaHei" charset="0"/>
-              <a:ea typeface="Microsoft YaHei" charset="0"/>
-              <a:cs typeface="+mn-cs"/>
-            </a:endParaRPr>
-          </a:p>
-          <a:p>
-            <a:pPr marL="285750" indent="-285750" defTabSz="914400">
-              <a:lnSpc>
-                <a:spcPct val="150000"/>
-              </a:lnSpc>
-              <a:spcBef>
-                <a:spcPct val="0"/>
-              </a:spcBef>
-              <a:buFont typeface="Arial" charset="0"/>
-            </a:pPr>
-            <a:r>
-              <a:rPr lang="zh-CN" altLang="zh-CN" sz="2400" kern="1200" baseline="0">
-                <a:solidFill>
-                  <a:srgbClr val="262626"/>
-                </a:solidFill>
-                <a:latin typeface="Microsoft YaHei" charset="0"/>
-                <a:ea typeface="Microsoft YaHei" charset="0"/>
-                <a:cs typeface="+mn-cs"/>
-              </a:rPr>
-              <a:t>我们要尊重开源软件的规则，但也不要盲从。</a:t>
-            </a:r>
-            <a:endParaRPr lang="zh-CN" altLang="zh-CN" sz="2400" kern="1200" baseline="0">
-              <a:solidFill>
-                <a:srgbClr val="262626"/>
-              </a:solidFill>
-              <a:latin typeface="Microsoft YaHei" charset="0"/>
-              <a:ea typeface="Microsoft YaHei" charset="0"/>
-              <a:cs typeface="+mn-cs"/>
-            </a:endParaRPr>
-          </a:p>
-          <a:p>
-            <a:pPr marL="285750" indent="-285750" defTabSz="914400">
-              <a:lnSpc>
-                <a:spcPct val="150000"/>
-              </a:lnSpc>
-              <a:spcBef>
-                <a:spcPct val="0"/>
-              </a:spcBef>
-              <a:buFont typeface="Arial" charset="0"/>
-            </a:pPr>
-            <a:r>
-              <a:rPr lang="zh-CN" altLang="zh-CN" sz="2400" kern="1200" baseline="0">
-                <a:solidFill>
-                  <a:srgbClr val="262626"/>
-                </a:solidFill>
-                <a:latin typeface="Microsoft YaHei" charset="0"/>
-                <a:ea typeface="Microsoft YaHei" charset="0"/>
-                <a:cs typeface="+mn-cs"/>
-              </a:rPr>
-              <a:t>坚持做自己认为正确的事情更重要。</a:t>
-            </a:r>
-            <a:endParaRPr lang="zh-CN" altLang="zh-CN" sz="2400" kern="1200" baseline="0">
-              <a:solidFill>
-                <a:srgbClr val="262626"/>
-              </a:solidFill>
-              <a:latin typeface="Microsoft YaHei" charset="0"/>
-              <a:ea typeface="Microsoft YaHei" charset="0"/>
-              <a:cs typeface="+mn-cs"/>
-            </a:endParaRPr>
-          </a:p>
-          <a:p>
-            <a:pPr marL="285750" indent="-285750" defTabSz="914400">
-              <a:lnSpc>
-                <a:spcPct val="150000"/>
-              </a:lnSpc>
-              <a:spcBef>
-                <a:spcPct val="0"/>
-              </a:spcBef>
-              <a:buFont typeface="Arial" charset="0"/>
-            </a:pPr>
-            <a:r>
-              <a:rPr lang="zh-CN" altLang="zh-CN" sz="2400" kern="1200" baseline="0">
-                <a:solidFill>
-                  <a:srgbClr val="262626"/>
-                </a:solidFill>
-                <a:latin typeface="Microsoft YaHei" charset="0"/>
-                <a:ea typeface="Microsoft YaHei" charset="0"/>
-                <a:cs typeface="+mn-cs"/>
-              </a:rPr>
-              <a:t>没有必要停留在一些无谓的概念争论上面。</a:t>
-            </a:r>
-            <a:endParaRPr lang="zh-CN" altLang="en-US" sz="2400" kern="1200" baseline="0">
-              <a:solidFill>
-                <a:srgbClr val="262626"/>
-              </a:solidFill>
-              <a:latin typeface="Microsoft YaHei" charset="0"/>
-              <a:ea typeface="Microsoft YaHei" charset="0"/>
-              <a:cs typeface="+mn-cs"/>
-            </a:endParaRPr>
-          </a:p>
-          <a:p>
-            <a:pPr marL="742950" lvl="1" indent="-285750" defTabSz="914400">
-              <a:lnSpc>
-                <a:spcPct val="150000"/>
-              </a:lnSpc>
-              <a:spcBef>
-                <a:spcPct val="0"/>
-              </a:spcBef>
-              <a:buFont typeface="Arial" charset="0"/>
-              <a:buChar char="•"/>
-            </a:pPr>
-            <a:endParaRPr lang="zh-CN" altLang="zh-CN" sz="2400" kern="1200" baseline="0">
-              <a:solidFill>
-                <a:srgbClr val="262626"/>
-              </a:solidFill>
-              <a:latin typeface="Microsoft YaHei" charset="0"/>
-              <a:ea typeface="Microsoft YaHei" charset="0"/>
-              <a:cs typeface="+mn-cs"/>
-            </a:endParaRPr>
-          </a:p>
-        </p:txBody>
-      </p:sp>
-    </p:spTree>
-  </p:cSld>
-  <p:clrMapOvr>
-    <a:masterClrMapping/>
-  </p:clrMapOvr>
-</p:sld>
-</file>
-
-<file path=ppt/slides/slide15.xml><?xml version="1.0" encoding="utf-8"?>
-<p:sld xmlns:a="http://schemas.openxmlformats.org/drawingml/2006/main" xmlns:r="http://schemas.openxmlformats.org/officeDocument/2006/relationships" xmlns:p="http://schemas.openxmlformats.org/presentationml/2006/main">
-  <p:cSld>
-    <p:spTree>
-      <p:nvGrpSpPr>
-        <p:cNvPr id="1" name=""/>
-        <p:cNvGrpSpPr/>
-        <p:nvPr/>
-      </p:nvGrpSpPr>
-      <p:grpSpPr/>
       <p:graphicFrame>
         <p:nvGraphicFramePr>
           <p:cNvPr id="2" name="表格 1"/>
@@ -5382,6 +4835,7 @@
                 <a:tc>
                   <a:txBody>
                     <a:bodyPr/>
+                    <a:lstStyle/>
                     <a:p>
                       <a:pPr algn="ctr">
                         <a:lnSpc>
@@ -5396,10 +4850,6 @@
                         </a:rPr>
                         <a:t>云服务</a:t>
                       </a:r>
-                      <a:endParaRPr sz="1400" b="1">
-                        <a:latin typeface="Microsoft YaHei" charset="0"/>
-                        <a:ea typeface="Microsoft YaHei" charset="0"/>
-                      </a:endParaRPr>
                     </a:p>
                   </a:txBody>
                   <a:tcPr>
@@ -5432,6 +4882,7 @@
                 <a:tc>
                   <a:txBody>
                     <a:bodyPr/>
+                    <a:lstStyle/>
                     <a:p>
                       <a:pPr algn="ctr">
                         <a:lnSpc>
@@ -5452,16 +4903,6 @@
                         </a:rPr>
                         <a:t>云禅道</a:t>
                       </a:r>
-                      <a:endParaRPr sz="1400">
-                        <a:solidFill>
-                          <a:schemeClr val="tx1">
-                            <a:lumMod val="85000"/>
-                            <a:lumOff val="15000"/>
-                          </a:schemeClr>
-                        </a:solidFill>
-                        <a:latin typeface="Microsoft YaHei" charset="0"/>
-                        <a:ea typeface="Microsoft YaHei" charset="0"/>
-                      </a:endParaRPr>
                     </a:p>
                   </a:txBody>
                   <a:tcPr>
@@ -5509,6 +4950,7 @@
                 <a:tc gridSpan="2">
                   <a:txBody>
                     <a:bodyPr/>
+                    <a:lstStyle/>
                     <a:p>
                       <a:pPr algn="ctr">
                         <a:lnSpc>
@@ -5529,16 +4971,6 @@
                         </a:rPr>
                         <a:t>臻网建站</a:t>
                       </a:r>
-                      <a:endParaRPr lang="zh-CN" sz="1400" b="1">
-                        <a:solidFill>
-                          <a:schemeClr val="tx1">
-                            <a:lumMod val="85000"/>
-                            <a:lumOff val="15000"/>
-                          </a:schemeClr>
-                        </a:solidFill>
-                        <a:latin typeface="Microsoft YaHei" charset="0"/>
-                        <a:ea typeface="Microsoft YaHei" charset="0"/>
-                      </a:endParaRPr>
                     </a:p>
                   </a:txBody>
                   <a:tcPr>
@@ -5590,6 +5022,13 @@
                   </a:tcPr>
                 </a:tc>
                 <a:tc hMerge="1">
+                  <a:txBody>
+                    <a:bodyPr/>
+                    <a:lstStyle/>
+                    <a:p>
+                      <a:endParaRPr lang="zh-CN"/>
+                    </a:p>
+                  </a:txBody>
                   <a:tcPr>
                     <a:lnL w="12700">
                       <a:solidFill>
@@ -5638,6 +5077,7 @@
                 <a:tc>
                   <a:txBody>
                     <a:bodyPr/>
+                    <a:lstStyle/>
                     <a:p>
                       <a:pPr algn="ctr">
                         <a:lnSpc>
@@ -5658,16 +5098,6 @@
                         </a:rPr>
                         <a:t>云然之</a:t>
                       </a:r>
-                      <a:endParaRPr sz="1400">
-                        <a:solidFill>
-                          <a:schemeClr val="tx1">
-                            <a:lumMod val="85000"/>
-                            <a:lumOff val="15000"/>
-                          </a:schemeClr>
-                        </a:solidFill>
-                        <a:latin typeface="Microsoft YaHei" charset="0"/>
-                        <a:ea typeface="Microsoft YaHei" charset="0"/>
-                      </a:endParaRPr>
                     </a:p>
                   </a:txBody>
                   <a:tcPr>
@@ -5723,6 +5153,7 @@
                 <a:tc>
                   <a:txBody>
                     <a:bodyPr/>
+                    <a:lstStyle/>
                     <a:p>
                       <a:pPr algn="ctr">
                         <a:buNone/>
@@ -5738,17 +5169,9 @@
                         </a:rPr>
                         <a:t>三个产品</a:t>
                       </a:r>
-                      <a:endParaRPr sz="1400" b="1">
-                        <a:solidFill>
-                          <a:schemeClr val="bg1"/>
-                        </a:solidFill>
-                        <a:latin typeface="Microsoft YaHei" charset="0"/>
-                        <a:ea typeface="Microsoft YaHei" charset="0"/>
-                        <a:sym typeface="+mn-ea"/>
-                      </a:endParaRPr>
                     </a:p>
                   </a:txBody>
-                  <a:tcPr anchor="ctr" anchorCtr="0">
+                  <a:tcPr anchor="ctr">
                     <a:lnL>
                       <a:noFill/>
                     </a:lnL>
@@ -5781,10 +5204,12 @@
                 <a:tc>
                   <a:txBody>
                     <a:bodyPr/>
+                    <a:lstStyle/>
                     <a:p>
                       <a:pPr>
                         <a:buNone/>
                       </a:pPr>
+                      <a:endParaRPr/>
                     </a:p>
                   </a:txBody>
                   <a:tcPr>
@@ -5832,10 +5257,12 @@
                 <a:tc gridSpan="2">
                   <a:txBody>
                     <a:bodyPr/>
+                    <a:lstStyle/>
                     <a:p>
                       <a:pPr>
                         <a:buNone/>
                       </a:pPr>
+                      <a:endParaRPr/>
                     </a:p>
                   </a:txBody>
                   <a:tcPr>
@@ -5885,6 +5312,13 @@
                   </a:tcPr>
                 </a:tc>
                 <a:tc hMerge="1">
+                  <a:txBody>
+                    <a:bodyPr/>
+                    <a:lstStyle/>
+                    <a:p>
+                      <a:endParaRPr lang="zh-CN"/>
+                    </a:p>
+                  </a:txBody>
                   <a:tcPr>
                     <a:lnL w="12700">
                       <a:solidFill>
@@ -5933,10 +5367,12 @@
                 <a:tc>
                   <a:txBody>
                     <a:bodyPr/>
+                    <a:lstStyle/>
                     <a:p>
                       <a:pPr>
                         <a:buNone/>
                       </a:pPr>
+                      <a:endParaRPr/>
                     </a:p>
                   </a:txBody>
                   <a:tcPr>
@@ -5990,6 +5426,7 @@
                 <a:tc>
                   <a:txBody>
                     <a:bodyPr/>
+                    <a:lstStyle/>
                     <a:p>
                       <a:pPr algn="ctr">
                         <a:lnSpc>
@@ -6008,14 +5445,6 @@
                         </a:rPr>
                         <a:t>两个框架</a:t>
                       </a:r>
-                      <a:endParaRPr sz="1400" b="1">
-                        <a:solidFill>
-                          <a:schemeClr val="bg1"/>
-                        </a:solidFill>
-                        <a:latin typeface="Microsoft YaHei" charset="0"/>
-                        <a:ea typeface="Microsoft YaHei" charset="0"/>
-                        <a:sym typeface="+mn-ea"/>
-                      </a:endParaRPr>
                     </a:p>
                   </a:txBody>
                   <a:tcPr>
@@ -6051,10 +5480,12 @@
                 <a:tc gridSpan="2">
                   <a:txBody>
                     <a:bodyPr/>
+                    <a:lstStyle/>
                     <a:p>
                       <a:pPr>
                         <a:buNone/>
                       </a:pPr>
+                      <a:endParaRPr/>
                     </a:p>
                   </a:txBody>
                   <a:tcPr>
@@ -6100,6 +5531,13 @@
                   </a:tcPr>
                 </a:tc>
                 <a:tc hMerge="1">
+                  <a:txBody>
+                    <a:bodyPr/>
+                    <a:lstStyle/>
+                    <a:p>
+                      <a:endParaRPr lang="zh-CN"/>
+                    </a:p>
+                  </a:txBody>
                   <a:tcPr>
                     <a:lnL w="12700">
                       <a:solidFill>
@@ -6148,10 +5586,12 @@
                 <a:tc gridSpan="2">
                   <a:txBody>
                     <a:bodyPr/>
+                    <a:lstStyle/>
                     <a:p>
                       <a:pPr>
                         <a:buNone/>
                       </a:pPr>
+                      <a:endParaRPr/>
                     </a:p>
                   </a:txBody>
                   <a:tcPr>
@@ -6203,6 +5643,13 @@
                   </a:tcPr>
                 </a:tc>
                 <a:tc hMerge="1">
+                  <a:txBody>
+                    <a:bodyPr/>
+                    <a:lstStyle/>
+                    <a:p>
+                      <a:endParaRPr lang="zh-CN"/>
+                    </a:p>
+                  </a:txBody>
                   <a:tcPr>
                     <a:lnL w="12700">
                       <a:solidFill>
@@ -6253,6 +5700,7 @@
                 <a:tc>
                   <a:txBody>
                     <a:bodyPr/>
+                    <a:lstStyle/>
                     <a:p>
                       <a:pPr algn="ctr">
                         <a:buNone/>
@@ -6279,13 +5727,6 @@
                         </a:rPr>
                         <a:t>协议</a:t>
                       </a:r>
-                      <a:endParaRPr sz="1400" b="1">
-                        <a:solidFill>
-                          <a:schemeClr val="bg1"/>
-                        </a:solidFill>
-                        <a:latin typeface="Microsoft YaHei" charset="0"/>
-                        <a:ea typeface="Microsoft YaHei" charset="0"/>
-                      </a:endParaRPr>
                     </a:p>
                   </a:txBody>
                   <a:tcPr>
@@ -6318,10 +5759,12 @@
                 <a:tc gridSpan="4">
                   <a:txBody>
                     <a:bodyPr/>
+                    <a:lstStyle/>
                     <a:p>
                       <a:pPr>
                         <a:buNone/>
                       </a:pPr>
+                      <a:endParaRPr/>
                     </a:p>
                   </a:txBody>
                   <a:tcPr>
@@ -6367,6 +5810,13 @@
                   </a:tcPr>
                 </a:tc>
                 <a:tc hMerge="1">
+                  <a:txBody>
+                    <a:bodyPr/>
+                    <a:lstStyle/>
+                    <a:p>
+                      <a:endParaRPr lang="zh-CN"/>
+                    </a:p>
+                  </a:txBody>
                   <a:tcPr>
                     <a:lnL w="12700">
                       <a:solidFill>
@@ -6410,6 +5860,13 @@
                   </a:tcPr>
                 </a:tc>
                 <a:tc hMerge="1">
+                  <a:txBody>
+                    <a:bodyPr/>
+                    <a:lstStyle/>
+                    <a:p>
+                      <a:endParaRPr lang="zh-CN"/>
+                    </a:p>
+                  </a:txBody>
                   <a:tcPr>
                     <a:lnL w="12700">
                       <a:solidFill>
@@ -6453,6 +5910,13 @@
                   </a:tcPr>
                 </a:tc>
                 <a:tc hMerge="1">
+                  <a:txBody>
+                    <a:bodyPr/>
+                    <a:lstStyle/>
+                    <a:p>
+                      <a:endParaRPr lang="zh-CN"/>
+                    </a:p>
+                  </a:txBody>
                   <a:tcPr>
                     <a:lnL w="12700">
                       <a:solidFill>
@@ -6526,6 +5990,7 @@
           <a:bodyPr wrap="square" anchor="t">
             <a:spAutoFit/>
           </a:bodyPr>
+          <a:lstStyle/>
           <a:p>
             <a:pPr lvl="0"/>
             <a:r>
@@ -6538,13 +6003,6 @@
               </a:rPr>
               <a:t>禅道项目管理软件</a:t>
             </a:r>
-            <a:endParaRPr lang="zh-CN" altLang="en-US" sz="1400" b="1">
-              <a:solidFill>
-                <a:srgbClr val="262626"/>
-              </a:solidFill>
-              <a:latin typeface="Microsoft YaHei" charset="0"/>
-              <a:ea typeface="Microsoft YaHei" charset="0"/>
-            </a:endParaRPr>
           </a:p>
         </p:txBody>
       </p:sp>
@@ -6557,7 +6015,7 @@
           <p:nvPr/>
         </p:nvPicPr>
         <p:blipFill>
-          <a:blip r:embed="rId1"/>
+          <a:blip r:embed="rId3"/>
           <a:stretch>
             <a:fillRect/>
           </a:stretch>
@@ -6585,7 +6043,7 @@
           <p:nvPr/>
         </p:nvPicPr>
         <p:blipFill>
-          <a:blip r:embed="rId2"/>
+          <a:blip r:embed="rId4"/>
           <a:stretch>
             <a:fillRect/>
           </a:stretch>
@@ -6613,7 +6071,7 @@
           <p:nvPr/>
         </p:nvPicPr>
         <p:blipFill>
-          <a:blip r:embed="rId3"/>
+          <a:blip r:embed="rId5"/>
           <a:stretch>
             <a:fillRect/>
           </a:stretch>
@@ -6655,6 +6113,7 @@
           <a:bodyPr wrap="square" anchor="t">
             <a:spAutoFit/>
           </a:bodyPr>
+          <a:lstStyle/>
           <a:p>
             <a:pPr lvl="0"/>
             <a:r>
@@ -6667,13 +6126,6 @@
               </a:rPr>
               <a:t>蝉知企业门户系统</a:t>
             </a:r>
-            <a:endParaRPr lang="zh-CN" altLang="en-US" sz="1400" b="1">
-              <a:solidFill>
-                <a:srgbClr val="262626"/>
-              </a:solidFill>
-              <a:latin typeface="Microsoft YaHei" charset="0"/>
-              <a:ea typeface="Microsoft YaHei" charset="0"/>
-            </a:endParaRPr>
           </a:p>
         </p:txBody>
       </p:sp>
@@ -6700,6 +6152,7 @@
           <a:bodyPr wrap="square" anchor="t">
             <a:spAutoFit/>
           </a:bodyPr>
+          <a:lstStyle/>
           <a:p>
             <a:pPr lvl="0"/>
             <a:r>
@@ -6712,13 +6165,6 @@
               </a:rPr>
               <a:t>然之协同办公系统</a:t>
             </a:r>
-            <a:endParaRPr lang="zh-CN" altLang="en-US" sz="1400" b="1">
-              <a:solidFill>
-                <a:srgbClr val="262626"/>
-              </a:solidFill>
-              <a:latin typeface="Microsoft YaHei" charset="0"/>
-              <a:ea typeface="Microsoft YaHei" charset="0"/>
-            </a:endParaRPr>
           </a:p>
         </p:txBody>
       </p:sp>
@@ -6745,6 +6191,7 @@
           <a:bodyPr wrap="square" anchor="t">
             <a:spAutoFit/>
           </a:bodyPr>
+          <a:lstStyle/>
           <a:p>
             <a:pPr lvl="0"/>
             <a:r>
@@ -6757,13 +6204,6 @@
               </a:rPr>
               <a:t>解决研发项目过程跟踪管理问题。</a:t>
             </a:r>
-            <a:endParaRPr lang="zh-CN" altLang="en-US" sz="1200">
-              <a:solidFill>
-                <a:srgbClr val="595959"/>
-              </a:solidFill>
-              <a:latin typeface="Microsoft YaHei" charset="0"/>
-              <a:ea typeface="Microsoft YaHei" charset="0"/>
-            </a:endParaRPr>
           </a:p>
         </p:txBody>
       </p:sp>
@@ -6790,6 +6230,7 @@
           <a:bodyPr wrap="square" anchor="t">
             <a:spAutoFit/>
           </a:bodyPr>
+          <a:lstStyle/>
           <a:p>
             <a:pPr lvl="0"/>
             <a:r>
@@ -6802,13 +6243,6 @@
               </a:rPr>
               <a:t>帮助企业搭建官网，进行宣传营销。</a:t>
             </a:r>
-            <a:endParaRPr lang="zh-CN" altLang="en-US" sz="1200">
-              <a:solidFill>
-                <a:srgbClr val="595959"/>
-              </a:solidFill>
-              <a:latin typeface="Microsoft YaHei" charset="0"/>
-              <a:ea typeface="Microsoft YaHei" charset="0"/>
-            </a:endParaRPr>
           </a:p>
         </p:txBody>
       </p:sp>
@@ -6835,6 +6269,7 @@
           <a:bodyPr wrap="square" anchor="t">
             <a:spAutoFit/>
           </a:bodyPr>
+          <a:lstStyle/>
           <a:p>
             <a:pPr lvl="0"/>
             <a:r>
@@ -6847,13 +6282,6 @@
               </a:rPr>
               <a:t>解决客户管理，办公，记账和沟通问题。</a:t>
             </a:r>
-            <a:endParaRPr lang="zh-CN" altLang="en-US" sz="1200">
-              <a:solidFill>
-                <a:srgbClr val="595959"/>
-              </a:solidFill>
-              <a:latin typeface="Microsoft YaHei" charset="0"/>
-              <a:ea typeface="Microsoft YaHei" charset="0"/>
-            </a:endParaRPr>
           </a:p>
         </p:txBody>
       </p:sp>
@@ -6880,6 +6308,7 @@
           <a:bodyPr wrap="square" anchor="t">
             <a:spAutoFit/>
           </a:bodyPr>
+          <a:lstStyle/>
           <a:p>
             <a:pPr lvl="0"/>
             <a:r>
@@ -6892,13 +6321,6 @@
               </a:rPr>
               <a:t>zentaoPHP框架</a:t>
             </a:r>
-            <a:endParaRPr lang="zh-CN" altLang="en-US" sz="1400" b="1">
-              <a:solidFill>
-                <a:srgbClr val="262626"/>
-              </a:solidFill>
-              <a:latin typeface="Microsoft YaHei" charset="0"/>
-              <a:ea typeface="Microsoft YaHei" charset="0"/>
-            </a:endParaRPr>
           </a:p>
         </p:txBody>
       </p:sp>
@@ -6925,6 +6347,7 @@
           <a:bodyPr wrap="square" anchor="t">
             <a:spAutoFit/>
           </a:bodyPr>
+          <a:lstStyle/>
           <a:p>
             <a:pPr lvl="0"/>
             <a:r>
@@ -6937,13 +6360,6 @@
               </a:rPr>
               <a:t>ZUI HTML5框架</a:t>
             </a:r>
-            <a:endParaRPr lang="zh-CN" altLang="en-US" sz="1400" b="1">
-              <a:solidFill>
-                <a:srgbClr val="262626"/>
-              </a:solidFill>
-              <a:latin typeface="Microsoft YaHei" charset="0"/>
-              <a:ea typeface="Microsoft YaHei" charset="0"/>
-            </a:endParaRPr>
           </a:p>
         </p:txBody>
       </p:sp>
@@ -6970,6 +6386,7 @@
           <a:bodyPr wrap="square" anchor="t">
             <a:spAutoFit/>
           </a:bodyPr>
+          <a:lstStyle/>
           <a:p>
             <a:pPr lvl="0" algn="ctr"/>
             <a:r>
@@ -6982,13 +6399,6 @@
               </a:rPr>
               <a:t>自主开发底层框架，提供深度扩展机制。</a:t>
             </a:r>
-            <a:endParaRPr lang="zh-CN" altLang="en-US" sz="1200">
-              <a:solidFill>
-                <a:srgbClr val="595959"/>
-              </a:solidFill>
-              <a:latin typeface="Microsoft YaHei" charset="0"/>
-              <a:ea typeface="Microsoft YaHei" charset="0"/>
-            </a:endParaRPr>
           </a:p>
         </p:txBody>
       </p:sp>
@@ -7015,6 +6425,7 @@
           <a:bodyPr wrap="square" anchor="t">
             <a:spAutoFit/>
           </a:bodyPr>
+          <a:lstStyle/>
           <a:p>
             <a:pPr lvl="0" algn="ctr"/>
             <a:r>
@@ -7027,13 +6438,6 @@
               </a:rPr>
               <a:t>自主开发前端框架，解决跨屏交互问题。</a:t>
             </a:r>
-            <a:endParaRPr lang="zh-CN" altLang="en-US" sz="1200">
-              <a:solidFill>
-                <a:srgbClr val="595959"/>
-              </a:solidFill>
-              <a:latin typeface="Microsoft YaHei" charset="0"/>
-              <a:ea typeface="Microsoft YaHei" charset="0"/>
-            </a:endParaRPr>
           </a:p>
         </p:txBody>
       </p:sp>
@@ -7060,6 +6464,7 @@
           <a:bodyPr wrap="square" anchor="t">
             <a:spAutoFit/>
           </a:bodyPr>
+          <a:lstStyle/>
           <a:p>
             <a:pPr lvl="0" algn="ctr"/>
             <a:r>
@@ -7072,13 +6477,6 @@
               </a:rPr>
               <a:t>Z PUBLIC LICENSE协议 </a:t>
             </a:r>
-            <a:endParaRPr lang="zh-CN" altLang="en-US" sz="1400" b="1">
-              <a:solidFill>
-                <a:srgbClr val="262626"/>
-              </a:solidFill>
-              <a:latin typeface="Microsoft YaHei" charset="0"/>
-              <a:ea typeface="Microsoft YaHei" charset="0"/>
-            </a:endParaRPr>
           </a:p>
         </p:txBody>
       </p:sp>
@@ -7105,6 +6503,7 @@
           <a:bodyPr wrap="square" anchor="t">
             <a:spAutoFit/>
           </a:bodyPr>
+          <a:lstStyle/>
           <a:p>
             <a:pPr lvl="0" algn="ctr"/>
             <a:r>
@@ -7117,13 +6516,6 @@
               </a:rPr>
               <a:t>自主开源授权协议，完美解决多方诉求。</a:t>
             </a:r>
-            <a:endParaRPr lang="zh-CN" altLang="en-US" sz="1200">
-              <a:solidFill>
-                <a:srgbClr val="595959"/>
-              </a:solidFill>
-              <a:latin typeface="Microsoft YaHei" charset="0"/>
-              <a:ea typeface="Microsoft YaHei" charset="0"/>
-            </a:endParaRPr>
           </a:p>
         </p:txBody>
       </p:sp>
@@ -7135,7 +6527,7 @@
 </p:sld>
 </file>
 
-<file path=ppt/slides/slide16.xml><?xml version="1.0" encoding="utf-8"?>
+<file path=ppt/slides/slide15.xml><?xml version="1.0" encoding="utf-8"?>
 <p:sld xmlns:a="http://schemas.openxmlformats.org/drawingml/2006/main" xmlns:r="http://schemas.openxmlformats.org/officeDocument/2006/relationships" xmlns:p="http://schemas.openxmlformats.org/presentationml/2006/main">
   <p:cSld>
     <p:spTree>
@@ -7161,7 +6553,7 @@
           <p:nvPr/>
         </p:nvPicPr>
         <p:blipFill>
-          <a:blip r:embed="rId1"/>
+          <a:blip r:embed="rId2"/>
           <a:stretch>
             <a:fillRect/>
           </a:stretch>
@@ -7226,9 +6618,6 @@
               </a:rPr>
               <a:t>如何持续地开发开源软件</a:t>
             </a:r>
-            <a:endParaRPr lang="zh-CN">
-              <a:ea typeface="宋体" charset="0"/>
-            </a:endParaRPr>
           </a:p>
         </p:txBody>
       </p:sp>
@@ -7258,9 +6647,6 @@
               </a:rPr>
               <a:t>王春生</a:t>
             </a:r>
-            <a:endParaRPr lang="zh-CN">
-              <a:ea typeface="宋体" charset="0"/>
-            </a:endParaRPr>
           </a:p>
         </p:txBody>
       </p:sp>
@@ -7311,10 +6697,6 @@
               </a:rPr>
               <a:t>自我介绍</a:t>
             </a:r>
-            <a:endParaRPr lang="zh-CN">
-              <a:latin typeface="微软雅黑" charset="0"/>
-              <a:ea typeface="微软雅黑" charset="0"/>
-            </a:endParaRPr>
           </a:p>
         </p:txBody>
       </p:sp>
@@ -7336,6 +6718,7 @@
         </p:spPr>
         <p:txBody>
           <a:bodyPr anchor="t"/>
+          <a:lstStyle/>
           <a:p>
             <a:pPr marL="285750" indent="-285750" defTabSz="914400">
               <a:lnSpc>
@@ -7357,14 +6740,6 @@
               </a:rPr>
               <a:t>开源软件爱好者和开发者。</a:t>
             </a:r>
-            <a:endParaRPr lang="zh-CN" altLang="en-US" sz="2400" kern="1200" baseline="0">
-              <a:solidFill>
-                <a:srgbClr val="262626"/>
-              </a:solidFill>
-              <a:latin typeface="Microsoft YaHei" charset="0"/>
-              <a:ea typeface="Microsoft YaHei" charset="0"/>
-              <a:cs typeface="+mn-cs"/>
-            </a:endParaRPr>
           </a:p>
           <a:p>
             <a:pPr marL="285750" indent="-285750" defTabSz="914400">
@@ -7398,14 +6773,6 @@
               </a:rPr>
               <a:t>年创业，专职开发开源软件。</a:t>
             </a:r>
-            <a:endParaRPr lang="zh-CN" altLang="zh-CN" sz="2400" kern="1200" baseline="0">
-              <a:solidFill>
-                <a:srgbClr val="262626"/>
-              </a:solidFill>
-              <a:latin typeface="Microsoft YaHei" charset="0"/>
-              <a:ea typeface="Microsoft YaHei" charset="0"/>
-              <a:cs typeface="+mn-cs"/>
-            </a:endParaRPr>
           </a:p>
           <a:p>
             <a:pPr marL="285750" indent="-285750" defTabSz="914400">
@@ -7428,14 +6795,6 @@
               </a:rPr>
               <a:t>今天主要分享我们这六年的心得和体会</a:t>
             </a:r>
-            <a:endParaRPr lang="zh-CN" altLang="zh-CN" sz="2400" kern="1200" baseline="0">
-              <a:solidFill>
-                <a:srgbClr val="262626"/>
-              </a:solidFill>
-              <a:latin typeface="Microsoft YaHei" charset="0"/>
-              <a:ea typeface="Microsoft YaHei" charset="0"/>
-              <a:cs typeface="+mn-cs"/>
-            </a:endParaRPr>
           </a:p>
         </p:txBody>
       </p:sp>
@@ -7512,6 +6871,7 @@
         </p:spPr>
         <p:txBody>
           <a:bodyPr anchor="t"/>
+          <a:lstStyle/>
           <a:p>
             <a:pPr marL="285750" indent="-285750" defTabSz="914400">
               <a:lnSpc>
@@ -7533,14 +6893,6 @@
               </a:rPr>
               <a:t>互联网的本质是什么？是开放。</a:t>
             </a:r>
-            <a:endParaRPr lang="zh-CN" altLang="zh-CN" sz="2400" kern="1200" baseline="0">
-              <a:solidFill>
-                <a:srgbClr val="262626"/>
-              </a:solidFill>
-              <a:latin typeface="Microsoft YaHei" charset="0"/>
-              <a:ea typeface="Microsoft YaHei" charset="0"/>
-              <a:cs typeface="+mn-cs"/>
-            </a:endParaRPr>
           </a:p>
           <a:p>
             <a:pPr marL="285750" indent="-285750" defTabSz="914400">
@@ -7563,14 +6915,6 @@
               </a:rPr>
               <a:t>开源软件随着互联网一起发展。</a:t>
             </a:r>
-            <a:endParaRPr lang="zh-CN" altLang="zh-CN" sz="2400" kern="1200" baseline="0">
-              <a:solidFill>
-                <a:srgbClr val="262626"/>
-              </a:solidFill>
-              <a:latin typeface="Microsoft YaHei" charset="0"/>
-              <a:ea typeface="Microsoft YaHei" charset="0"/>
-              <a:cs typeface="+mn-cs"/>
-            </a:endParaRPr>
           </a:p>
           <a:p>
             <a:pPr marL="285750" indent="-285750" defTabSz="914400">
@@ -7593,14 +6937,6 @@
               </a:rPr>
               <a:t>开源开放才是未来的趋势。</a:t>
             </a:r>
-            <a:endParaRPr lang="zh-CN" altLang="zh-CN" sz="2400" kern="1200" baseline="0">
-              <a:solidFill>
-                <a:srgbClr val="262626"/>
-              </a:solidFill>
-              <a:latin typeface="Microsoft YaHei" charset="0"/>
-              <a:ea typeface="Microsoft YaHei" charset="0"/>
-              <a:cs typeface="+mn-cs"/>
-            </a:endParaRPr>
           </a:p>
           <a:p>
             <a:pPr marL="285750" indent="-285750" defTabSz="914400">
@@ -7623,14 +6959,6 @@
               </a:rPr>
               <a:t>封闭保守的系统最终都会走向衰败。</a:t>
             </a:r>
-            <a:endParaRPr lang="zh-CN" altLang="zh-CN" sz="2400" kern="1200" baseline="0">
-              <a:solidFill>
-                <a:srgbClr val="262626"/>
-              </a:solidFill>
-              <a:latin typeface="Microsoft YaHei" charset="0"/>
-              <a:ea typeface="Microsoft YaHei" charset="0"/>
-              <a:cs typeface="+mn-cs"/>
-            </a:endParaRPr>
           </a:p>
           <a:p>
             <a:pPr marL="285750" indent="-285750" defTabSz="914400">
@@ -7653,14 +6981,6 @@
               </a:rPr>
               <a:t>越来越多的公司用开源软件建立了自己的商业帝国。</a:t>
             </a:r>
-            <a:endParaRPr lang="zh-CN" altLang="zh-CN" sz="2400" kern="1200" baseline="0">
-              <a:solidFill>
-                <a:srgbClr val="262626"/>
-              </a:solidFill>
-              <a:latin typeface="Microsoft YaHei" charset="0"/>
-              <a:ea typeface="Microsoft YaHei" charset="0"/>
-              <a:cs typeface="+mn-cs"/>
-            </a:endParaRPr>
           </a:p>
           <a:p>
             <a:pPr marL="285750" indent="-285750" defTabSz="914400">
@@ -7727,14 +7047,6 @@
               </a:rPr>
               <a:t>支持不力。</a:t>
             </a:r>
-            <a:endParaRPr lang="zh-CN" altLang="zh-CN" sz="2400" kern="1200" baseline="0">
-              <a:solidFill>
-                <a:srgbClr val="262626"/>
-              </a:solidFill>
-              <a:latin typeface="Microsoft YaHei" charset="0"/>
-              <a:ea typeface="Microsoft YaHei" charset="0"/>
-              <a:cs typeface="+mn-cs"/>
-            </a:endParaRPr>
           </a:p>
           <a:p>
             <a:pPr marL="285750" indent="-285750" defTabSz="914400">
@@ -7801,14 +7113,6 @@
               </a:rPr>
               <a:t>的开源。</a:t>
             </a:r>
-            <a:endParaRPr lang="zh-CN" altLang="zh-CN" sz="2400" kern="1200" baseline="0">
-              <a:solidFill>
-                <a:srgbClr val="262626"/>
-              </a:solidFill>
-              <a:latin typeface="Microsoft YaHei" charset="0"/>
-              <a:ea typeface="Microsoft YaHei" charset="0"/>
-              <a:cs typeface="+mn-cs"/>
-            </a:endParaRPr>
           </a:p>
           <a:p>
             <a:pPr marL="285750" indent="-285750" defTabSz="914400">
@@ -7923,6 +7227,7 @@
         </p:spPr>
         <p:txBody>
           <a:bodyPr anchor="t"/>
+          <a:lstStyle/>
           <a:p>
             <a:pPr marL="285750" indent="-285750" defTabSz="914400">
               <a:lnSpc>
@@ -7944,14 +7249,6 @@
               </a:rPr>
               <a:t>开源软件，首先是软件，软件存在的价值在于解决问题。</a:t>
             </a:r>
-            <a:endParaRPr lang="zh-CN" altLang="zh-CN" sz="2400" kern="1200" baseline="0">
-              <a:solidFill>
-                <a:srgbClr val="262626"/>
-              </a:solidFill>
-              <a:latin typeface="Microsoft YaHei" charset="0"/>
-              <a:ea typeface="Microsoft YaHei" charset="0"/>
-              <a:cs typeface="+mn-cs"/>
-            </a:endParaRPr>
           </a:p>
           <a:p>
             <a:pPr marL="285750" indent="-285750" defTabSz="914400">
@@ -7974,14 +7271,6 @@
               </a:rPr>
               <a:t>所以你首先要做一款能够解决问题的软件。</a:t>
             </a:r>
-            <a:endParaRPr lang="zh-CN" altLang="zh-CN" sz="2400" kern="1200" baseline="0">
-              <a:solidFill>
-                <a:srgbClr val="262626"/>
-              </a:solidFill>
-              <a:latin typeface="Microsoft YaHei" charset="0"/>
-              <a:ea typeface="Microsoft YaHei" charset="0"/>
-              <a:cs typeface="+mn-cs"/>
-            </a:endParaRPr>
           </a:p>
           <a:p>
             <a:pPr marL="285750" indent="-285750" defTabSz="914400">
@@ -8004,14 +7293,6 @@
               </a:rPr>
               <a:t>而且你要做的软件和其他的软件相比有自己的特色。</a:t>
             </a:r>
-            <a:endParaRPr lang="zh-CN" altLang="zh-CN" sz="2400" kern="1200" baseline="0">
-              <a:solidFill>
-                <a:srgbClr val="262626"/>
-              </a:solidFill>
-              <a:latin typeface="Microsoft YaHei" charset="0"/>
-              <a:ea typeface="Microsoft YaHei" charset="0"/>
-              <a:cs typeface="+mn-cs"/>
-            </a:endParaRPr>
           </a:p>
           <a:p>
             <a:pPr marL="285750" indent="-285750" defTabSz="914400">
@@ -8034,14 +7315,6 @@
               </a:rPr>
               <a:t>用户不会因为开源就会选用你的软件。</a:t>
             </a:r>
-            <a:endParaRPr lang="zh-CN" altLang="zh-CN" sz="2400" kern="1200" baseline="0">
-              <a:solidFill>
-                <a:srgbClr val="262626"/>
-              </a:solidFill>
-              <a:latin typeface="Microsoft YaHei" charset="0"/>
-              <a:ea typeface="Microsoft YaHei" charset="0"/>
-              <a:cs typeface="+mn-cs"/>
-            </a:endParaRPr>
           </a:p>
           <a:p>
             <a:pPr marL="285750" indent="-285750" defTabSz="914400">
@@ -8086,14 +7359,6 @@
               </a:rPr>
               <a:t>。</a:t>
             </a:r>
-            <a:endParaRPr lang="zh-CN" altLang="zh-CN" sz="2400" kern="1200" baseline="0">
-              <a:solidFill>
-                <a:srgbClr val="262626"/>
-              </a:solidFill>
-              <a:latin typeface="Microsoft YaHei" charset="0"/>
-              <a:ea typeface="Microsoft YaHei" charset="0"/>
-              <a:cs typeface="+mn-cs"/>
-            </a:endParaRPr>
           </a:p>
         </p:txBody>
       </p:sp>
@@ -8170,6 +7435,7 @@
         </p:spPr>
         <p:txBody>
           <a:bodyPr anchor="t"/>
+          <a:lstStyle/>
           <a:p>
             <a:pPr marL="285750" indent="-285750" defTabSz="914400">
               <a:lnSpc>
@@ -8191,14 +7457,6 @@
               </a:rPr>
               <a:t>Apache VS Nginx</a:t>
             </a:r>
-            <a:endParaRPr lang="en-US" altLang="zh-CN" sz="2400" kern="1200" baseline="0">
-              <a:solidFill>
-                <a:srgbClr val="262626"/>
-              </a:solidFill>
-              <a:latin typeface="Microsoft YaHei" charset="0"/>
-              <a:ea typeface="Microsoft YaHei" charset="0"/>
-              <a:cs typeface="+mn-cs"/>
-            </a:endParaRPr>
           </a:p>
           <a:p>
             <a:pPr marL="285750" indent="-285750" defTabSz="914400">
@@ -8221,14 +7479,6 @@
               </a:rPr>
               <a:t>Subversion VS Git</a:t>
             </a:r>
-            <a:endParaRPr lang="en-US" altLang="zh-CN" sz="2400" kern="1200" baseline="0">
-              <a:solidFill>
-                <a:srgbClr val="262626"/>
-              </a:solidFill>
-              <a:latin typeface="Microsoft YaHei" charset="0"/>
-              <a:ea typeface="Microsoft YaHei" charset="0"/>
-              <a:cs typeface="+mn-cs"/>
-            </a:endParaRPr>
           </a:p>
           <a:p>
             <a:pPr marL="285750" indent="-285750" defTabSz="914400">
@@ -8251,14 +7501,6 @@
               </a:rPr>
               <a:t>MySQL VS PostgreSQL</a:t>
             </a:r>
-            <a:endParaRPr lang="en-US" altLang="zh-CN" sz="2400" kern="1200" baseline="0">
-              <a:solidFill>
-                <a:srgbClr val="262626"/>
-              </a:solidFill>
-              <a:latin typeface="Microsoft YaHei" charset="0"/>
-              <a:ea typeface="Microsoft YaHei" charset="0"/>
-              <a:cs typeface="+mn-cs"/>
-            </a:endParaRPr>
           </a:p>
           <a:p>
             <a:pPr marL="285750" indent="-285750" defTabSz="914400">
@@ -8281,14 +7523,6 @@
               </a:rPr>
               <a:t>Linux Server VS Windows Server</a:t>
             </a:r>
-            <a:endParaRPr lang="en-US" altLang="zh-CN" sz="2400" kern="1200" baseline="0">
-              <a:solidFill>
-                <a:srgbClr val="262626"/>
-              </a:solidFill>
-              <a:latin typeface="Microsoft YaHei" charset="0"/>
-              <a:ea typeface="Microsoft YaHei" charset="0"/>
-              <a:cs typeface="+mn-cs"/>
-            </a:endParaRPr>
           </a:p>
           <a:p>
             <a:pPr marL="285750" indent="-285750" defTabSz="914400">
@@ -8311,14 +7545,6 @@
               </a:rPr>
               <a:t>Linux Desktop VS Windows Desktop</a:t>
             </a:r>
-            <a:endParaRPr lang="en-US" altLang="zh-CN" sz="2400" kern="1200" baseline="0">
-              <a:solidFill>
-                <a:srgbClr val="262626"/>
-              </a:solidFill>
-              <a:latin typeface="Microsoft YaHei" charset="0"/>
-              <a:ea typeface="Microsoft YaHei" charset="0"/>
-              <a:cs typeface="+mn-cs"/>
-            </a:endParaRPr>
           </a:p>
           <a:p>
             <a:pPr marL="285750" indent="-285750" defTabSz="914400">
@@ -8341,14 +7567,6 @@
               </a:rPr>
               <a:t>Android VS IOS</a:t>
             </a:r>
-            <a:endParaRPr lang="en-US" altLang="zh-CN" sz="2400" kern="1200" baseline="0">
-              <a:solidFill>
-                <a:srgbClr val="262626"/>
-              </a:solidFill>
-              <a:latin typeface="Microsoft YaHei" charset="0"/>
-              <a:ea typeface="Microsoft YaHei" charset="0"/>
-              <a:cs typeface="+mn-cs"/>
-            </a:endParaRPr>
           </a:p>
         </p:txBody>
       </p:sp>
@@ -8425,6 +7643,7 @@
         </p:spPr>
         <p:txBody>
           <a:bodyPr anchor="t"/>
+          <a:lstStyle/>
           <a:p>
             <a:pPr marL="285750" indent="-285750" defTabSz="914400">
               <a:lnSpc>
@@ -8446,14 +7665,6 @@
               </a:rPr>
               <a:t>选择开源软件，半年以上不更新，就犹豫了</a:t>
             </a:r>
-            <a:endParaRPr lang="zh-CN" altLang="en-US" sz="2400" kern="1200" baseline="0">
-              <a:solidFill>
-                <a:srgbClr val="262626"/>
-              </a:solidFill>
-              <a:latin typeface="Microsoft YaHei" charset="0"/>
-              <a:ea typeface="Microsoft YaHei" charset="0"/>
-              <a:cs typeface="+mn-cs"/>
-            </a:endParaRPr>
           </a:p>
           <a:p>
             <a:pPr marL="285750" indent="-285750" defTabSz="914400">
@@ -8476,14 +7687,6 @@
               </a:rPr>
               <a:t>一年以上不更新，就不会再考虑。</a:t>
             </a:r>
-            <a:endParaRPr lang="zh-CN" altLang="en-US" sz="2400" kern="1200" baseline="0">
-              <a:solidFill>
-                <a:srgbClr val="262626"/>
-              </a:solidFill>
-              <a:latin typeface="Microsoft YaHei" charset="0"/>
-              <a:ea typeface="Microsoft YaHei" charset="0"/>
-              <a:cs typeface="+mn-cs"/>
-            </a:endParaRPr>
           </a:p>
           <a:p>
             <a:pPr marL="285750" indent="-285750" defTabSz="914400">
@@ -8506,14 +7709,6 @@
               </a:rPr>
               <a:t>要快速交付有价值有质量的软件，才能赢得用户。</a:t>
             </a:r>
-            <a:endParaRPr lang="zh-CN" altLang="en-US" sz="2400" kern="1200" baseline="0">
-              <a:solidFill>
-                <a:srgbClr val="262626"/>
-              </a:solidFill>
-              <a:latin typeface="Microsoft YaHei" charset="0"/>
-              <a:ea typeface="Microsoft YaHei" charset="0"/>
-              <a:cs typeface="+mn-cs"/>
-            </a:endParaRPr>
           </a:p>
           <a:p>
             <a:pPr marL="285750" indent="-285750" defTabSz="914400">
@@ -8558,14 +7753,6 @@
               </a:rPr>
               <a:t>。</a:t>
             </a:r>
-            <a:endParaRPr lang="zh-CN" altLang="zh-CN" sz="2400" kern="1200" baseline="0">
-              <a:solidFill>
-                <a:srgbClr val="262626"/>
-              </a:solidFill>
-              <a:latin typeface="Microsoft YaHei" charset="0"/>
-              <a:ea typeface="Microsoft YaHei" charset="0"/>
-              <a:cs typeface="+mn-cs"/>
-            </a:endParaRPr>
           </a:p>
         </p:txBody>
       </p:sp>
@@ -8642,6 +7829,7 @@
         </p:spPr>
         <p:txBody>
           <a:bodyPr anchor="t"/>
+          <a:lstStyle/>
           <a:p>
             <a:pPr marL="285750" indent="-285750" defTabSz="914400">
               <a:lnSpc>
@@ -8663,14 +7851,6 @@
               </a:rPr>
               <a:t>早期开源软件的用户是黑客，是程序员。</a:t>
             </a:r>
-            <a:endParaRPr lang="zh-CN" altLang="zh-CN" sz="2400" kern="1200" baseline="0">
-              <a:solidFill>
-                <a:srgbClr val="262626"/>
-              </a:solidFill>
-              <a:latin typeface="Microsoft YaHei" charset="0"/>
-              <a:ea typeface="Microsoft YaHei" charset="0"/>
-              <a:cs typeface="+mn-cs"/>
-            </a:endParaRPr>
           </a:p>
           <a:p>
             <a:pPr marL="285750" indent="-285750" defTabSz="914400">
@@ -8693,14 +7873,6 @@
               </a:rPr>
               <a:t>现在开源软件的用户是小白，是小懒。</a:t>
             </a:r>
-            <a:endParaRPr lang="zh-CN" altLang="zh-CN" sz="2400" kern="1200" baseline="0">
-              <a:solidFill>
-                <a:srgbClr val="262626"/>
-              </a:solidFill>
-              <a:latin typeface="Microsoft YaHei" charset="0"/>
-              <a:ea typeface="Microsoft YaHei" charset="0"/>
-              <a:cs typeface="+mn-cs"/>
-            </a:endParaRPr>
           </a:p>
           <a:p>
             <a:pPr marL="285750" indent="-285750" defTabSz="914400">
@@ -8723,14 +7895,6 @@
               </a:rPr>
               <a:t>程序做好各种异常情况的处理，友好提示，优雅退出。</a:t>
             </a:r>
-            <a:endParaRPr lang="zh-CN" altLang="zh-CN" sz="2400" kern="1200" baseline="0">
-              <a:solidFill>
-                <a:srgbClr val="262626"/>
-              </a:solidFill>
-              <a:latin typeface="Microsoft YaHei" charset="0"/>
-              <a:ea typeface="Microsoft YaHei" charset="0"/>
-              <a:cs typeface="+mn-cs"/>
-            </a:endParaRPr>
           </a:p>
           <a:p>
             <a:pPr marL="285750" indent="-285750" defTabSz="914400">
@@ -8775,14 +7939,6 @@
               </a:rPr>
               <a:t>，交流功能。</a:t>
             </a:r>
-            <a:endParaRPr lang="zh-CN" altLang="en-US" sz="2400" kern="1200" baseline="0">
-              <a:solidFill>
-                <a:srgbClr val="262626"/>
-              </a:solidFill>
-              <a:latin typeface="Microsoft YaHei" charset="0"/>
-              <a:ea typeface="Microsoft YaHei" charset="0"/>
-              <a:cs typeface="+mn-cs"/>
-            </a:endParaRPr>
           </a:p>
           <a:p>
             <a:pPr marL="285750" indent="-285750" defTabSz="914400">
@@ -8827,14 +7983,6 @@
               </a:rPr>
               <a:t>群，电话。</a:t>
             </a:r>
-            <a:endParaRPr lang="zh-CN" altLang="en-US" sz="2400" kern="1200" baseline="0">
-              <a:solidFill>
-                <a:srgbClr val="262626"/>
-              </a:solidFill>
-              <a:latin typeface="Microsoft YaHei" charset="0"/>
-              <a:ea typeface="Microsoft YaHei" charset="0"/>
-              <a:cs typeface="+mn-cs"/>
-            </a:endParaRPr>
           </a:p>
         </p:txBody>
       </p:sp>
@@ -8911,6 +8059,7 @@
         </p:spPr>
         <p:txBody>
           <a:bodyPr anchor="t"/>
+          <a:lstStyle/>
           <a:p>
             <a:pPr marL="285750" indent="-285750" defTabSz="914400">
               <a:lnSpc>
@@ -8932,14 +8081,6 @@
               </a:rPr>
               <a:t>做一款能够解决问题的软件。</a:t>
             </a:r>
-            <a:endParaRPr lang="zh-CN" altLang="en-US" sz="2400" kern="1200" baseline="0">
-              <a:solidFill>
-                <a:srgbClr val="262626"/>
-              </a:solidFill>
-              <a:latin typeface="Microsoft YaHei" charset="0"/>
-              <a:ea typeface="Microsoft YaHei" charset="0"/>
-              <a:cs typeface="+mn-cs"/>
-            </a:endParaRPr>
           </a:p>
           <a:p>
             <a:pPr marL="285750" indent="-285750" defTabSz="914400">
@@ -8962,14 +8103,6 @@
               </a:rPr>
               <a:t>持续的交付有价值有质量的软件。</a:t>
             </a:r>
-            <a:endParaRPr lang="zh-CN" altLang="en-US" sz="2400" kern="1200" baseline="0">
-              <a:solidFill>
-                <a:srgbClr val="262626"/>
-              </a:solidFill>
-              <a:latin typeface="Microsoft YaHei" charset="0"/>
-              <a:ea typeface="Microsoft YaHei" charset="0"/>
-              <a:cs typeface="+mn-cs"/>
-            </a:endParaRPr>
           </a:p>
           <a:p>
             <a:pPr marL="285750" indent="-285750" defTabSz="914400">
@@ -8992,14 +8125,6 @@
               </a:rPr>
               <a:t>做好对开源软件用户的支持。</a:t>
             </a:r>
-            <a:endParaRPr lang="zh-CN" altLang="en-US" sz="2400" kern="1200" baseline="0">
-              <a:solidFill>
-                <a:srgbClr val="262626"/>
-              </a:solidFill>
-              <a:latin typeface="Microsoft YaHei" charset="0"/>
-              <a:ea typeface="Microsoft YaHei" charset="0"/>
-              <a:cs typeface="+mn-cs"/>
-            </a:endParaRPr>
           </a:p>
           <a:p>
             <a:pPr marL="285750" indent="-285750" defTabSz="914400">
@@ -9022,14 +8147,6 @@
               </a:rPr>
               <a:t>做好这一切，才能吸引更多的用户。</a:t>
             </a:r>
-            <a:endParaRPr lang="zh-CN" altLang="en-US" sz="2400" kern="1200" baseline="0">
-              <a:solidFill>
-                <a:srgbClr val="262626"/>
-              </a:solidFill>
-              <a:latin typeface="Microsoft YaHei" charset="0"/>
-              <a:ea typeface="Microsoft YaHei" charset="0"/>
-              <a:cs typeface="+mn-cs"/>
-            </a:endParaRPr>
           </a:p>
           <a:p>
             <a:pPr marL="285750" indent="-285750" defTabSz="914400">
@@ -9052,14 +8169,6 @@
               </a:rPr>
               <a:t>只有更多的用户，才有可能谈到持续的开发。</a:t>
             </a:r>
-            <a:endParaRPr lang="zh-CN" altLang="en-US" sz="2400" kern="1200" baseline="0">
-              <a:solidFill>
-                <a:srgbClr val="262626"/>
-              </a:solidFill>
-              <a:latin typeface="Microsoft YaHei" charset="0"/>
-              <a:ea typeface="Microsoft YaHei" charset="0"/>
-              <a:cs typeface="+mn-cs"/>
-            </a:endParaRPr>
           </a:p>
         </p:txBody>
       </p:sp>
